--- a/7月工作汇报-陈江滨.pptx
+++ b/7月工作汇报-陈江滨.pptx
@@ -7,17 +7,16 @@
   <p:sldIdLst>
     <p:sldId id="258" r:id="rId2"/>
     <p:sldId id="264" r:id="rId3"/>
-    <p:sldId id="269" r:id="rId4"/>
-    <p:sldId id="270" r:id="rId5"/>
-    <p:sldId id="265" r:id="rId6"/>
-    <p:sldId id="267" r:id="rId7"/>
-    <p:sldId id="259" r:id="rId8"/>
-    <p:sldId id="256" r:id="rId9"/>
-    <p:sldId id="257" r:id="rId10"/>
-    <p:sldId id="266" r:id="rId11"/>
-    <p:sldId id="260" r:id="rId12"/>
-    <p:sldId id="262" r:id="rId13"/>
-    <p:sldId id="268" r:id="rId14"/>
+    <p:sldId id="270" r:id="rId4"/>
+    <p:sldId id="265" r:id="rId5"/>
+    <p:sldId id="267" r:id="rId6"/>
+    <p:sldId id="259" r:id="rId7"/>
+    <p:sldId id="256" r:id="rId8"/>
+    <p:sldId id="257" r:id="rId9"/>
+    <p:sldId id="266" r:id="rId10"/>
+    <p:sldId id="260" r:id="rId11"/>
+    <p:sldId id="262" r:id="rId12"/>
+    <p:sldId id="268" r:id="rId13"/>
   </p:sldIdLst>
   <p:sldSz cx="12192000" cy="6858000"/>
   <p:notesSz cx="6858000" cy="9144000"/>
@@ -255,7 +254,7 @@
           <a:p>
             <a:fld id="{05396F9E-055A-499E-82A4-8CCE55A84A1E}" type="datetimeFigureOut">
               <a:rPr lang="zh-CN" altLang="en-US" smtClean="0"/>
-              <a:t>2019/8/4</a:t>
+              <a:t>2019/9/4</a:t>
             </a:fld>
             <a:endParaRPr lang="zh-CN" altLang="en-US"/>
           </a:p>
@@ -425,7 +424,7 @@
           <a:p>
             <a:fld id="{05396F9E-055A-499E-82A4-8CCE55A84A1E}" type="datetimeFigureOut">
               <a:rPr lang="zh-CN" altLang="en-US" smtClean="0"/>
-              <a:t>2019/8/4</a:t>
+              <a:t>2019/9/4</a:t>
             </a:fld>
             <a:endParaRPr lang="zh-CN" altLang="en-US"/>
           </a:p>
@@ -605,7 +604,7 @@
           <a:p>
             <a:fld id="{05396F9E-055A-499E-82A4-8CCE55A84A1E}" type="datetimeFigureOut">
               <a:rPr lang="zh-CN" altLang="en-US" smtClean="0"/>
-              <a:t>2019/8/4</a:t>
+              <a:t>2019/9/4</a:t>
             </a:fld>
             <a:endParaRPr lang="zh-CN" altLang="en-US"/>
           </a:p>
@@ -775,7 +774,7 @@
           <a:p>
             <a:fld id="{05396F9E-055A-499E-82A4-8CCE55A84A1E}" type="datetimeFigureOut">
               <a:rPr lang="zh-CN" altLang="en-US" smtClean="0"/>
-              <a:t>2019/8/4</a:t>
+              <a:t>2019/9/4</a:t>
             </a:fld>
             <a:endParaRPr lang="zh-CN" altLang="en-US"/>
           </a:p>
@@ -1021,7 +1020,7 @@
           <a:p>
             <a:fld id="{05396F9E-055A-499E-82A4-8CCE55A84A1E}" type="datetimeFigureOut">
               <a:rPr lang="zh-CN" altLang="en-US" smtClean="0"/>
-              <a:t>2019/8/4</a:t>
+              <a:t>2019/9/4</a:t>
             </a:fld>
             <a:endParaRPr lang="zh-CN" altLang="en-US"/>
           </a:p>
@@ -1253,7 +1252,7 @@
           <a:p>
             <a:fld id="{05396F9E-055A-499E-82A4-8CCE55A84A1E}" type="datetimeFigureOut">
               <a:rPr lang="zh-CN" altLang="en-US" smtClean="0"/>
-              <a:t>2019/8/4</a:t>
+              <a:t>2019/9/4</a:t>
             </a:fld>
             <a:endParaRPr lang="zh-CN" altLang="en-US"/>
           </a:p>
@@ -1620,7 +1619,7 @@
           <a:p>
             <a:fld id="{05396F9E-055A-499E-82A4-8CCE55A84A1E}" type="datetimeFigureOut">
               <a:rPr lang="zh-CN" altLang="en-US" smtClean="0"/>
-              <a:t>2019/8/4</a:t>
+              <a:t>2019/9/4</a:t>
             </a:fld>
             <a:endParaRPr lang="zh-CN" altLang="en-US"/>
           </a:p>
@@ -1738,7 +1737,7 @@
           <a:p>
             <a:fld id="{05396F9E-055A-499E-82A4-8CCE55A84A1E}" type="datetimeFigureOut">
               <a:rPr lang="zh-CN" altLang="en-US" smtClean="0"/>
-              <a:t>2019/8/4</a:t>
+              <a:t>2019/9/4</a:t>
             </a:fld>
             <a:endParaRPr lang="zh-CN" altLang="en-US"/>
           </a:p>
@@ -1833,7 +1832,7 @@
           <a:p>
             <a:fld id="{05396F9E-055A-499E-82A4-8CCE55A84A1E}" type="datetimeFigureOut">
               <a:rPr lang="zh-CN" altLang="en-US" smtClean="0"/>
-              <a:t>2019/8/4</a:t>
+              <a:t>2019/9/4</a:t>
             </a:fld>
             <a:endParaRPr lang="zh-CN" altLang="en-US"/>
           </a:p>
@@ -2110,7 +2109,7 @@
           <a:p>
             <a:fld id="{05396F9E-055A-499E-82A4-8CCE55A84A1E}" type="datetimeFigureOut">
               <a:rPr lang="zh-CN" altLang="en-US" smtClean="0"/>
-              <a:t>2019/8/4</a:t>
+              <a:t>2019/9/4</a:t>
             </a:fld>
             <a:endParaRPr lang="zh-CN" altLang="en-US"/>
           </a:p>
@@ -2363,7 +2362,7 @@
           <a:p>
             <a:fld id="{05396F9E-055A-499E-82A4-8CCE55A84A1E}" type="datetimeFigureOut">
               <a:rPr lang="zh-CN" altLang="en-US" smtClean="0"/>
-              <a:t>2019/8/4</a:t>
+              <a:t>2019/9/4</a:t>
             </a:fld>
             <a:endParaRPr lang="zh-CN" altLang="en-US"/>
           </a:p>
@@ -2585,7 +2584,7 @@
           <a:p>
             <a:fld id="{05396F9E-055A-499E-82A4-8CCE55A84A1E}" type="datetimeFigureOut">
               <a:rPr lang="zh-CN" altLang="en-US" smtClean="0"/>
-              <a:t>2019/8/4</a:t>
+              <a:t>2019/9/4</a:t>
             </a:fld>
             <a:endParaRPr lang="zh-CN" altLang="en-US"/>
           </a:p>
@@ -3252,7 +3251,7 @@
       </p:grpSpPr>
       <p:sp>
         <p:nvSpPr>
-          <p:cNvPr id="5" name="文本框 4"/>
+          <p:cNvPr id="4" name="文本框 3"/>
           <p:cNvSpPr txBox="1"/>
           <p:nvPr/>
         </p:nvSpPr>
@@ -3274,1067 +3273,12 @@
           <a:p>
             <a:r>
               <a:rPr lang="zh-CN" altLang="en-US" b="1" dirty="0" smtClean="0"/>
-              <a:t>版本提测及</a:t>
-            </a:r>
-            <a:r>
-              <a:rPr lang="en-US" altLang="zh-CN" b="1" dirty="0" smtClean="0"/>
-              <a:t>Bug</a:t>
-            </a:r>
-            <a:r>
-              <a:rPr lang="zh-CN" altLang="en-US" b="1" dirty="0" smtClean="0"/>
-              <a:t>分析</a:t>
+              <a:t>存在问题汇总</a:t>
             </a:r>
             <a:endParaRPr lang="zh-CN" altLang="en-US" b="1" dirty="0"/>
           </a:p>
         </p:txBody>
       </p:sp>
-      <p:graphicFrame>
-        <p:nvGraphicFramePr>
-          <p:cNvPr id="6" name="表格 5"/>
-          <p:cNvGraphicFramePr>
-            <a:graphicFrameLocks noGrp="1"/>
-          </p:cNvGraphicFramePr>
-          <p:nvPr>
-            <p:extLst>
-              <p:ext uri="{D42A27DB-BD31-4B8C-83A1-F6EECF244321}">
-                <p14:modId xmlns:p14="http://schemas.microsoft.com/office/powerpoint/2010/main" val="1107104957"/>
-              </p:ext>
-            </p:extLst>
-          </p:nvPr>
-        </p:nvGraphicFramePr>
-        <p:xfrm>
-          <a:off x="1145223" y="1637412"/>
-          <a:ext cx="9718448" cy="2558730"/>
-        </p:xfrm>
-        <a:graphic>
-          <a:graphicData uri="http://schemas.openxmlformats.org/drawingml/2006/table">
-            <a:tbl>
-              <a:tblPr firstRow="1" bandRow="1">
-                <a:tableStyleId>{5C22544A-7EE6-4342-B048-85BDC9FD1C3A}</a:tableStyleId>
-              </a:tblPr>
-              <a:tblGrid>
-                <a:gridCol w="807868">
-                  <a:extLst>
-                    <a:ext uri="{9D8B030D-6E8A-4147-A177-3AD203B41FA5}">
-                      <a16:colId xmlns:a16="http://schemas.microsoft.com/office/drawing/2014/main" val="3582662001"/>
-                    </a:ext>
-                  </a:extLst>
-                </a:gridCol>
-                <a:gridCol w="1068908">
-                  <a:extLst>
-                    <a:ext uri="{9D8B030D-6E8A-4147-A177-3AD203B41FA5}">
-                      <a16:colId xmlns:a16="http://schemas.microsoft.com/office/drawing/2014/main" val="443386889"/>
-                    </a:ext>
-                  </a:extLst>
-                </a:gridCol>
-                <a:gridCol w="1440872">
-                  <a:extLst>
-                    <a:ext uri="{9D8B030D-6E8A-4147-A177-3AD203B41FA5}">
-                      <a16:colId xmlns:a16="http://schemas.microsoft.com/office/drawing/2014/main" val="1193323362"/>
-                    </a:ext>
-                  </a:extLst>
-                </a:gridCol>
-                <a:gridCol w="1745673">
-                  <a:extLst>
-                    <a:ext uri="{9D8B030D-6E8A-4147-A177-3AD203B41FA5}">
-                      <a16:colId xmlns:a16="http://schemas.microsoft.com/office/drawing/2014/main" val="4057531282"/>
-                    </a:ext>
-                  </a:extLst>
-                </a:gridCol>
-                <a:gridCol w="1440873">
-                  <a:extLst>
-                    <a:ext uri="{9D8B030D-6E8A-4147-A177-3AD203B41FA5}">
-                      <a16:colId xmlns:a16="http://schemas.microsoft.com/office/drawing/2014/main" val="2844749733"/>
-                    </a:ext>
-                  </a:extLst>
-                </a:gridCol>
-                <a:gridCol w="1699491">
-                  <a:extLst>
-                    <a:ext uri="{9D8B030D-6E8A-4147-A177-3AD203B41FA5}">
-                      <a16:colId xmlns:a16="http://schemas.microsoft.com/office/drawing/2014/main" val="3603334489"/>
-                    </a:ext>
-                  </a:extLst>
-                </a:gridCol>
-                <a:gridCol w="1514763">
-                  <a:extLst>
-                    <a:ext uri="{9D8B030D-6E8A-4147-A177-3AD203B41FA5}">
-                      <a16:colId xmlns:a16="http://schemas.microsoft.com/office/drawing/2014/main" val="706299963"/>
-                    </a:ext>
-                  </a:extLst>
-                </a:gridCol>
-              </a:tblGrid>
-              <a:tr h="319020">
-                <a:tc>
-                  <a:txBody>
-                    <a:bodyPr/>
-                    <a:lstStyle/>
-                    <a:p>
-                      <a:pPr algn="ctr"/>
-                      <a:r>
-                        <a:rPr lang="zh-CN" altLang="en-US" sz="1200" dirty="0" smtClean="0"/>
-                        <a:t>版本</a:t>
-                      </a:r>
-                      <a:endParaRPr lang="zh-CN" altLang="en-US" sz="1200" dirty="0"/>
-                    </a:p>
-                  </a:txBody>
-                  <a:tcPr/>
-                </a:tc>
-                <a:tc>
-                  <a:txBody>
-                    <a:bodyPr/>
-                    <a:lstStyle/>
-                    <a:p>
-                      <a:r>
-                        <a:rPr lang="zh-CN" altLang="en-US" sz="1200" dirty="0" smtClean="0"/>
-                        <a:t>提交</a:t>
-                      </a:r>
-                      <a:r>
-                        <a:rPr lang="en-US" altLang="zh-CN" sz="1200" dirty="0" smtClean="0"/>
-                        <a:t>Bug</a:t>
-                      </a:r>
-                      <a:r>
-                        <a:rPr lang="zh-CN" altLang="en-US" sz="1200" dirty="0" smtClean="0"/>
-                        <a:t>总数</a:t>
-                      </a:r>
-                      <a:endParaRPr lang="zh-CN" altLang="en-US" sz="1200" dirty="0"/>
-                    </a:p>
-                  </a:txBody>
-                  <a:tcPr/>
-                </a:tc>
-                <a:tc>
-                  <a:txBody>
-                    <a:bodyPr/>
-                    <a:lstStyle/>
-                    <a:p>
-                      <a:r>
-                        <a:rPr lang="zh-CN" altLang="en-US" sz="1200" dirty="0" smtClean="0"/>
-                        <a:t>严重</a:t>
-                      </a:r>
-                      <a:r>
-                        <a:rPr lang="en-US" altLang="zh-CN" sz="1200" dirty="0" smtClean="0"/>
-                        <a:t>Bug</a:t>
-                      </a:r>
-                      <a:r>
-                        <a:rPr lang="zh-CN" altLang="en-US" sz="1200" dirty="0" smtClean="0"/>
-                        <a:t>总数</a:t>
-                      </a:r>
-                      <a:r>
-                        <a:rPr lang="en-US" altLang="zh-CN" sz="1200" dirty="0" smtClean="0"/>
-                        <a:t>/</a:t>
-                      </a:r>
-                      <a:r>
-                        <a:rPr lang="zh-CN" altLang="en-US" sz="1200" dirty="0" smtClean="0"/>
-                        <a:t>比例</a:t>
-                      </a:r>
-                      <a:endParaRPr lang="zh-CN" altLang="en-US" sz="1200" dirty="0"/>
-                    </a:p>
-                  </a:txBody>
-                  <a:tcPr/>
-                </a:tc>
-                <a:tc>
-                  <a:txBody>
-                    <a:bodyPr/>
-                    <a:lstStyle/>
-                    <a:p>
-                      <a:r>
-                        <a:rPr lang="zh-CN" altLang="en-US" sz="1200" dirty="0" smtClean="0"/>
-                        <a:t>激活状态</a:t>
-                      </a:r>
-                      <a:r>
-                        <a:rPr lang="en-US" altLang="zh-CN" sz="1200" dirty="0" smtClean="0"/>
-                        <a:t>Bug</a:t>
-                      </a:r>
-                      <a:r>
-                        <a:rPr lang="zh-CN" altLang="en-US" sz="1200" dirty="0" smtClean="0"/>
-                        <a:t>总数</a:t>
-                      </a:r>
-                      <a:r>
-                        <a:rPr lang="en-US" altLang="zh-CN" sz="1200" dirty="0" smtClean="0"/>
-                        <a:t>/</a:t>
-                      </a:r>
-                      <a:r>
-                        <a:rPr lang="zh-CN" altLang="en-US" sz="1200" dirty="0" smtClean="0"/>
-                        <a:t>比例</a:t>
-                      </a:r>
-                      <a:endParaRPr lang="zh-CN" altLang="en-US" sz="1200" dirty="0"/>
-                    </a:p>
-                  </a:txBody>
-                  <a:tcPr/>
-                </a:tc>
-                <a:tc>
-                  <a:txBody>
-                    <a:bodyPr/>
-                    <a:lstStyle/>
-                    <a:p>
-                      <a:r>
-                        <a:rPr lang="en-US" altLang="zh-CN" sz="1200" dirty="0" smtClean="0"/>
-                        <a:t>Bug</a:t>
-                      </a:r>
-                      <a:r>
-                        <a:rPr lang="zh-CN" altLang="en-US" sz="1200" dirty="0" smtClean="0"/>
-                        <a:t>平均解决周期</a:t>
-                      </a:r>
-                      <a:endParaRPr lang="zh-CN" altLang="en-US" sz="1200" dirty="0"/>
-                    </a:p>
-                  </a:txBody>
-                  <a:tcPr/>
-                </a:tc>
-                <a:tc>
-                  <a:txBody>
-                    <a:bodyPr/>
-                    <a:lstStyle/>
-                    <a:p>
-                      <a:r>
-                        <a:rPr lang="zh-CN" altLang="en-US" sz="1200" dirty="0" smtClean="0"/>
-                        <a:t>多次激活</a:t>
-                      </a:r>
-                      <a:r>
-                        <a:rPr lang="en-US" altLang="zh-CN" sz="1200" dirty="0" smtClean="0"/>
-                        <a:t>Bug</a:t>
-                      </a:r>
-                      <a:r>
-                        <a:rPr lang="zh-CN" altLang="en-US" sz="1200" dirty="0" smtClean="0"/>
-                        <a:t>数</a:t>
-                      </a:r>
-                      <a:r>
-                        <a:rPr lang="en-US" altLang="zh-CN" sz="1200" dirty="0" smtClean="0"/>
-                        <a:t>/</a:t>
-                      </a:r>
-                      <a:r>
-                        <a:rPr lang="zh-CN" altLang="en-US" sz="1200" dirty="0" smtClean="0"/>
-                        <a:t>比例</a:t>
-                      </a:r>
-                      <a:endParaRPr lang="zh-CN" altLang="en-US" sz="1200" dirty="0"/>
-                    </a:p>
-                  </a:txBody>
-                  <a:tcPr/>
-                </a:tc>
-                <a:tc>
-                  <a:txBody>
-                    <a:bodyPr/>
-                    <a:lstStyle/>
-                    <a:p>
-                      <a:pPr algn="ctr"/>
-                      <a:r>
-                        <a:rPr lang="zh-CN" altLang="en-US" sz="1200" dirty="0" smtClean="0"/>
-                        <a:t>激活</a:t>
-                      </a:r>
-                      <a:r>
-                        <a:rPr lang="en-US" altLang="zh-CN" sz="1200" dirty="0" smtClean="0"/>
-                        <a:t>Bug</a:t>
-                      </a:r>
-                      <a:r>
-                        <a:rPr lang="zh-CN" altLang="en-US" sz="1200" dirty="0" smtClean="0"/>
-                        <a:t>总数</a:t>
-                      </a:r>
-                      <a:endParaRPr lang="zh-CN" altLang="en-US" sz="1200" dirty="0"/>
-                    </a:p>
-                  </a:txBody>
-                  <a:tcPr/>
-                </a:tc>
-                <a:extLst>
-                  <a:ext uri="{0D108BD9-81ED-4DB2-BD59-A6C34878D82A}">
-                    <a16:rowId xmlns:a16="http://schemas.microsoft.com/office/drawing/2014/main" val="1830430895"/>
-                  </a:ext>
-                </a:extLst>
-              </a:tr>
-              <a:tr h="356502">
-                <a:tc>
-                  <a:txBody>
-                    <a:bodyPr/>
-                    <a:lstStyle/>
-                    <a:p>
-                      <a:pPr algn="ctr"/>
-                      <a:r>
-                        <a:rPr lang="en-US" altLang="zh-CN" sz="1200" dirty="0" smtClean="0"/>
-                        <a:t>V1.0.0</a:t>
-                      </a:r>
-                      <a:endParaRPr lang="zh-CN" altLang="en-US" sz="1200" dirty="0"/>
-                    </a:p>
-                  </a:txBody>
-                  <a:tcPr/>
-                </a:tc>
-                <a:tc>
-                  <a:txBody>
-                    <a:bodyPr/>
-                    <a:lstStyle/>
-                    <a:p>
-                      <a:pPr algn="ctr"/>
-                      <a:r>
-                        <a:rPr lang="en-US" altLang="zh-CN" sz="1200" dirty="0" smtClean="0"/>
-                        <a:t>33</a:t>
-                      </a:r>
-                      <a:endParaRPr lang="zh-CN" altLang="en-US" sz="1200" dirty="0"/>
-                    </a:p>
-                  </a:txBody>
-                  <a:tcPr/>
-                </a:tc>
-                <a:tc>
-                  <a:txBody>
-                    <a:bodyPr/>
-                    <a:lstStyle/>
-                    <a:p>
-                      <a:pPr algn="ctr"/>
-                      <a:r>
-                        <a:rPr lang="en-US" altLang="zh-CN" sz="1200" dirty="0" smtClean="0"/>
-                        <a:t>3/9.10%</a:t>
-                      </a:r>
-                      <a:endParaRPr lang="zh-CN" altLang="en-US" sz="1200" dirty="0"/>
-                    </a:p>
-                  </a:txBody>
-                  <a:tcPr/>
-                </a:tc>
-                <a:tc>
-                  <a:txBody>
-                    <a:bodyPr/>
-                    <a:lstStyle/>
-                    <a:p>
-                      <a:pPr algn="ctr"/>
-                      <a:r>
-                        <a:rPr lang="en-US" altLang="zh-CN" sz="1200" dirty="0" smtClean="0"/>
-                        <a:t>3/9.10%</a:t>
-                      </a:r>
-                      <a:endParaRPr lang="zh-CN" altLang="en-US" sz="1200" dirty="0"/>
-                    </a:p>
-                  </a:txBody>
-                  <a:tcPr/>
-                </a:tc>
-                <a:tc>
-                  <a:txBody>
-                    <a:bodyPr/>
-                    <a:lstStyle/>
-                    <a:p>
-                      <a:pPr algn="ctr"/>
-                      <a:r>
-                        <a:rPr lang="en-US" altLang="zh-CN" sz="1200" dirty="0" smtClean="0"/>
-                        <a:t>4.80</a:t>
-                      </a:r>
-                      <a:endParaRPr lang="zh-CN" altLang="en-US" sz="1200" dirty="0"/>
-                    </a:p>
-                  </a:txBody>
-                  <a:tcPr/>
-                </a:tc>
-                <a:tc>
-                  <a:txBody>
-                    <a:bodyPr/>
-                    <a:lstStyle/>
-                    <a:p>
-                      <a:pPr algn="ctr"/>
-                      <a:r>
-                        <a:rPr lang="en-US" altLang="zh-CN" sz="1200" dirty="0" smtClean="0"/>
-                        <a:t>3/9.10%</a:t>
-                      </a:r>
-                      <a:endParaRPr lang="zh-CN" altLang="en-US" sz="1200" dirty="0"/>
-                    </a:p>
-                  </a:txBody>
-                  <a:tcPr/>
-                </a:tc>
-                <a:tc>
-                  <a:txBody>
-                    <a:bodyPr/>
-                    <a:lstStyle/>
-                    <a:p>
-                      <a:pPr algn="ctr"/>
-                      <a:r>
-                        <a:rPr lang="en-US" altLang="zh-CN" sz="1200" dirty="0" smtClean="0"/>
-                        <a:t>-</a:t>
-                      </a:r>
-                      <a:endParaRPr lang="zh-CN" altLang="en-US" sz="1200" dirty="0"/>
-                    </a:p>
-                  </a:txBody>
-                  <a:tcPr/>
-                </a:tc>
-                <a:extLst>
-                  <a:ext uri="{0D108BD9-81ED-4DB2-BD59-A6C34878D82A}">
-                    <a16:rowId xmlns:a16="http://schemas.microsoft.com/office/drawing/2014/main" val="2844914975"/>
-                  </a:ext>
-                </a:extLst>
-              </a:tr>
-              <a:tr h="356502">
-                <a:tc>
-                  <a:txBody>
-                    <a:bodyPr/>
-                    <a:lstStyle/>
-                    <a:p>
-                      <a:pPr algn="ctr"/>
-                      <a:r>
-                        <a:rPr lang="en-US" altLang="zh-CN" sz="1200" dirty="0" smtClean="0"/>
-                        <a:t>V1.0.1</a:t>
-                      </a:r>
-                      <a:endParaRPr lang="zh-CN" altLang="en-US" sz="1200" dirty="0"/>
-                    </a:p>
-                  </a:txBody>
-                  <a:tcPr/>
-                </a:tc>
-                <a:tc>
-                  <a:txBody>
-                    <a:bodyPr/>
-                    <a:lstStyle/>
-                    <a:p>
-                      <a:pPr algn="ctr"/>
-                      <a:r>
-                        <a:rPr lang="en-US" altLang="zh-CN" sz="1200" dirty="0" smtClean="0"/>
-                        <a:t>18</a:t>
-                      </a:r>
-                      <a:endParaRPr lang="zh-CN" altLang="en-US" sz="1200" dirty="0"/>
-                    </a:p>
-                  </a:txBody>
-                  <a:tcPr/>
-                </a:tc>
-                <a:tc>
-                  <a:txBody>
-                    <a:bodyPr/>
-                    <a:lstStyle/>
-                    <a:p>
-                      <a:pPr algn="ctr"/>
-                      <a:r>
-                        <a:rPr lang="en-US" altLang="zh-CN" sz="1200" dirty="0" smtClean="0"/>
-                        <a:t>0/0%</a:t>
-                      </a:r>
-                      <a:endParaRPr lang="zh-CN" altLang="en-US" sz="1200" dirty="0"/>
-                    </a:p>
-                  </a:txBody>
-                  <a:tcPr/>
-                </a:tc>
-                <a:tc>
-                  <a:txBody>
-                    <a:bodyPr/>
-                    <a:lstStyle/>
-                    <a:p>
-                      <a:pPr algn="ctr"/>
-                      <a:r>
-                        <a:rPr lang="en-US" altLang="zh-CN" sz="1200" dirty="0" smtClean="0"/>
-                        <a:t>4/22.22%</a:t>
-                      </a:r>
-                      <a:endParaRPr lang="zh-CN" altLang="en-US" sz="1200" dirty="0"/>
-                    </a:p>
-                  </a:txBody>
-                  <a:tcPr/>
-                </a:tc>
-                <a:tc>
-                  <a:txBody>
-                    <a:bodyPr/>
-                    <a:lstStyle/>
-                    <a:p>
-                      <a:pPr algn="ctr"/>
-                      <a:r>
-                        <a:rPr lang="en-US" altLang="zh-CN" sz="1200" dirty="0" smtClean="0"/>
-                        <a:t>3.43</a:t>
-                      </a:r>
-                      <a:endParaRPr lang="zh-CN" altLang="en-US" sz="1200" dirty="0"/>
-                    </a:p>
-                  </a:txBody>
-                  <a:tcPr/>
-                </a:tc>
-                <a:tc>
-                  <a:txBody>
-                    <a:bodyPr/>
-                    <a:lstStyle/>
-                    <a:p>
-                      <a:pPr algn="ctr"/>
-                      <a:r>
-                        <a:rPr lang="en-US" altLang="zh-CN" sz="1200" dirty="0" smtClean="0"/>
-                        <a:t>3/16.67%</a:t>
-                      </a:r>
-                      <a:endParaRPr lang="zh-CN" altLang="en-US" sz="1200" dirty="0"/>
-                    </a:p>
-                  </a:txBody>
-                  <a:tcPr/>
-                </a:tc>
-                <a:tc>
-                  <a:txBody>
-                    <a:bodyPr/>
-                    <a:lstStyle/>
-                    <a:p>
-                      <a:pPr algn="ctr"/>
-                      <a:r>
-                        <a:rPr lang="en-US" altLang="zh-CN" sz="1200" dirty="0" smtClean="0"/>
-                        <a:t>-</a:t>
-                      </a:r>
-                      <a:endParaRPr lang="zh-CN" altLang="en-US" sz="1200" dirty="0"/>
-                    </a:p>
-                  </a:txBody>
-                  <a:tcPr/>
-                </a:tc>
-                <a:extLst>
-                  <a:ext uri="{0D108BD9-81ED-4DB2-BD59-A6C34878D82A}">
-                    <a16:rowId xmlns:a16="http://schemas.microsoft.com/office/drawing/2014/main" val="1253924840"/>
-                  </a:ext>
-                </a:extLst>
-              </a:tr>
-              <a:tr h="356502">
-                <a:tc>
-                  <a:txBody>
-                    <a:bodyPr/>
-                    <a:lstStyle/>
-                    <a:p>
-                      <a:pPr algn="ctr"/>
-                      <a:r>
-                        <a:rPr lang="en-US" altLang="zh-CN" sz="1200" dirty="0" smtClean="0"/>
-                        <a:t>V1.1.0</a:t>
-                      </a:r>
-                      <a:endParaRPr lang="zh-CN" altLang="en-US" sz="1200" dirty="0"/>
-                    </a:p>
-                  </a:txBody>
-                  <a:tcPr/>
-                </a:tc>
-                <a:tc>
-                  <a:txBody>
-                    <a:bodyPr/>
-                    <a:lstStyle/>
-                    <a:p>
-                      <a:pPr algn="ctr"/>
-                      <a:r>
-                        <a:rPr lang="en-US" altLang="zh-CN" sz="1200" dirty="0" smtClean="0"/>
-                        <a:t>15</a:t>
-                      </a:r>
-                      <a:endParaRPr lang="zh-CN" altLang="en-US" sz="1200" dirty="0"/>
-                    </a:p>
-                  </a:txBody>
-                  <a:tcPr/>
-                </a:tc>
-                <a:tc>
-                  <a:txBody>
-                    <a:bodyPr/>
-                    <a:lstStyle/>
-                    <a:p>
-                      <a:pPr marL="0" marR="0" lvl="0" indent="0" algn="ctr" defTabSz="914400" rtl="0" eaLnBrk="1" fontAlgn="auto" latinLnBrk="0" hangingPunct="1">
-                        <a:lnSpc>
-                          <a:spcPct val="100000"/>
-                        </a:lnSpc>
-                        <a:spcBef>
-                          <a:spcPts val="0"/>
-                        </a:spcBef>
-                        <a:spcAft>
-                          <a:spcPts val="0"/>
-                        </a:spcAft>
-                        <a:buClrTx/>
-                        <a:buSzTx/>
-                        <a:buFontTx/>
-                        <a:buNone/>
-                        <a:tabLst/>
-                        <a:defRPr/>
-                      </a:pPr>
-                      <a:r>
-                        <a:rPr lang="en-US" altLang="zh-CN" sz="1200" dirty="0" smtClean="0"/>
-                        <a:t>0/0%</a:t>
-                      </a:r>
-                      <a:endParaRPr lang="zh-CN" altLang="en-US" sz="1200" dirty="0" smtClean="0"/>
-                    </a:p>
-                  </a:txBody>
-                  <a:tcPr/>
-                </a:tc>
-                <a:tc>
-                  <a:txBody>
-                    <a:bodyPr/>
-                    <a:lstStyle/>
-                    <a:p>
-                      <a:pPr marL="0" marR="0" lvl="0" indent="0" algn="ctr" defTabSz="914400" rtl="0" eaLnBrk="1" fontAlgn="auto" latinLnBrk="0" hangingPunct="1">
-                        <a:lnSpc>
-                          <a:spcPct val="100000"/>
-                        </a:lnSpc>
-                        <a:spcBef>
-                          <a:spcPts val="0"/>
-                        </a:spcBef>
-                        <a:spcAft>
-                          <a:spcPts val="0"/>
-                        </a:spcAft>
-                        <a:buClrTx/>
-                        <a:buSzTx/>
-                        <a:buFontTx/>
-                        <a:buNone/>
-                        <a:tabLst/>
-                        <a:defRPr/>
-                      </a:pPr>
-                      <a:r>
-                        <a:rPr lang="en-US" altLang="zh-CN" sz="1200" dirty="0" smtClean="0"/>
-                        <a:t>0/0%</a:t>
-                      </a:r>
-                      <a:endParaRPr lang="zh-CN" altLang="en-US" sz="1200" dirty="0" smtClean="0"/>
-                    </a:p>
-                  </a:txBody>
-                  <a:tcPr/>
-                </a:tc>
-                <a:tc>
-                  <a:txBody>
-                    <a:bodyPr/>
-                    <a:lstStyle/>
-                    <a:p>
-                      <a:pPr algn="ctr"/>
-                      <a:r>
-                        <a:rPr lang="en-US" altLang="zh-CN" sz="1200" dirty="0" smtClean="0"/>
-                        <a:t>0.8</a:t>
-                      </a:r>
-                      <a:endParaRPr lang="zh-CN" altLang="en-US" sz="1200" dirty="0"/>
-                    </a:p>
-                  </a:txBody>
-                  <a:tcPr/>
-                </a:tc>
-                <a:tc>
-                  <a:txBody>
-                    <a:bodyPr/>
-                    <a:lstStyle/>
-                    <a:p>
-                      <a:pPr algn="ctr"/>
-                      <a:r>
-                        <a:rPr lang="en-US" altLang="zh-CN" sz="1200" dirty="0" smtClean="0"/>
-                        <a:t>1/6.67%</a:t>
-                      </a:r>
-                      <a:endParaRPr lang="zh-CN" altLang="en-US" sz="1200" dirty="0"/>
-                    </a:p>
-                  </a:txBody>
-                  <a:tcPr/>
-                </a:tc>
-                <a:tc>
-                  <a:txBody>
-                    <a:bodyPr/>
-                    <a:lstStyle/>
-                    <a:p>
-                      <a:pPr algn="ctr"/>
-                      <a:r>
-                        <a:rPr lang="en-US" altLang="zh-CN" sz="1200" dirty="0" smtClean="0"/>
-                        <a:t>-</a:t>
-                      </a:r>
-                    </a:p>
-                  </a:txBody>
-                  <a:tcPr/>
-                </a:tc>
-                <a:extLst>
-                  <a:ext uri="{0D108BD9-81ED-4DB2-BD59-A6C34878D82A}">
-                    <a16:rowId xmlns:a16="http://schemas.microsoft.com/office/drawing/2014/main" val="2160234542"/>
-                  </a:ext>
-                </a:extLst>
-              </a:tr>
-              <a:tr h="356502">
-                <a:tc>
-                  <a:txBody>
-                    <a:bodyPr/>
-                    <a:lstStyle/>
-                    <a:p>
-                      <a:pPr algn="ctr"/>
-                      <a:r>
-                        <a:rPr lang="en-US" altLang="zh-CN" sz="1200" dirty="0" smtClean="0"/>
-                        <a:t>V1.1.1</a:t>
-                      </a:r>
-                      <a:endParaRPr lang="zh-CN" altLang="en-US" sz="1200" dirty="0"/>
-                    </a:p>
-                  </a:txBody>
-                  <a:tcPr/>
-                </a:tc>
-                <a:tc>
-                  <a:txBody>
-                    <a:bodyPr/>
-                    <a:lstStyle/>
-                    <a:p>
-                      <a:pPr algn="ctr"/>
-                      <a:r>
-                        <a:rPr lang="en-US" altLang="zh-CN" sz="1200" dirty="0" smtClean="0"/>
-                        <a:t>5</a:t>
-                      </a:r>
-                      <a:endParaRPr lang="zh-CN" altLang="en-US" sz="1200" dirty="0"/>
-                    </a:p>
-                  </a:txBody>
-                  <a:tcPr/>
-                </a:tc>
-                <a:tc>
-                  <a:txBody>
-                    <a:bodyPr/>
-                    <a:lstStyle/>
-                    <a:p>
-                      <a:pPr marL="0" marR="0" lvl="0" indent="0" algn="ctr" defTabSz="914400" rtl="0" eaLnBrk="1" fontAlgn="auto" latinLnBrk="0" hangingPunct="1">
-                        <a:lnSpc>
-                          <a:spcPct val="100000"/>
-                        </a:lnSpc>
-                        <a:spcBef>
-                          <a:spcPts val="0"/>
-                        </a:spcBef>
-                        <a:spcAft>
-                          <a:spcPts val="0"/>
-                        </a:spcAft>
-                        <a:buClrTx/>
-                        <a:buSzTx/>
-                        <a:buFontTx/>
-                        <a:buNone/>
-                        <a:tabLst/>
-                        <a:defRPr/>
-                      </a:pPr>
-                      <a:r>
-                        <a:rPr lang="en-US" altLang="zh-CN" sz="1200" dirty="0" smtClean="0"/>
-                        <a:t>0/0%</a:t>
-                      </a:r>
-                      <a:endParaRPr lang="zh-CN" altLang="en-US" sz="1200" dirty="0" smtClean="0"/>
-                    </a:p>
-                  </a:txBody>
-                  <a:tcPr/>
-                </a:tc>
-                <a:tc>
-                  <a:txBody>
-                    <a:bodyPr/>
-                    <a:lstStyle/>
-                    <a:p>
-                      <a:pPr marL="0" marR="0" lvl="0" indent="0" algn="ctr" defTabSz="914400" rtl="0" eaLnBrk="1" fontAlgn="auto" latinLnBrk="0" hangingPunct="1">
-                        <a:lnSpc>
-                          <a:spcPct val="100000"/>
-                        </a:lnSpc>
-                        <a:spcBef>
-                          <a:spcPts val="0"/>
-                        </a:spcBef>
-                        <a:spcAft>
-                          <a:spcPts val="0"/>
-                        </a:spcAft>
-                        <a:buClrTx/>
-                        <a:buSzTx/>
-                        <a:buFontTx/>
-                        <a:buNone/>
-                        <a:tabLst/>
-                        <a:defRPr/>
-                      </a:pPr>
-                      <a:r>
-                        <a:rPr lang="en-US" altLang="zh-CN" sz="1200" dirty="0" smtClean="0"/>
-                        <a:t>2/40%</a:t>
-                      </a:r>
-                      <a:endParaRPr lang="zh-CN" altLang="en-US" sz="1200" dirty="0" smtClean="0"/>
-                    </a:p>
-                  </a:txBody>
-                  <a:tcPr/>
-                </a:tc>
-                <a:tc>
-                  <a:txBody>
-                    <a:bodyPr/>
-                    <a:lstStyle/>
-                    <a:p>
-                      <a:pPr algn="ctr"/>
-                      <a:r>
-                        <a:rPr lang="en-US" altLang="zh-CN" sz="1200" dirty="0" smtClean="0"/>
-                        <a:t>1.67</a:t>
-                      </a:r>
-                      <a:endParaRPr lang="zh-CN" altLang="en-US" sz="1200" dirty="0"/>
-                    </a:p>
-                  </a:txBody>
-                  <a:tcPr/>
-                </a:tc>
-                <a:tc>
-                  <a:txBody>
-                    <a:bodyPr/>
-                    <a:lstStyle/>
-                    <a:p>
-                      <a:pPr algn="ctr"/>
-                      <a:r>
-                        <a:rPr lang="en-US" altLang="zh-CN" sz="1200" dirty="0" smtClean="0"/>
-                        <a:t>0/0%</a:t>
-                      </a:r>
-                      <a:endParaRPr lang="zh-CN" altLang="en-US" sz="1200" dirty="0"/>
-                    </a:p>
-                  </a:txBody>
-                  <a:tcPr/>
-                </a:tc>
-                <a:tc>
-                  <a:txBody>
-                    <a:bodyPr/>
-                    <a:lstStyle/>
-                    <a:p>
-                      <a:pPr algn="ctr"/>
-                      <a:r>
-                        <a:rPr lang="en-US" altLang="zh-CN" sz="1200" dirty="0" smtClean="0"/>
-                        <a:t>15</a:t>
-                      </a:r>
-                    </a:p>
-                  </a:txBody>
-                  <a:tcPr/>
-                </a:tc>
-                <a:extLst>
-                  <a:ext uri="{0D108BD9-81ED-4DB2-BD59-A6C34878D82A}">
-                    <a16:rowId xmlns:a16="http://schemas.microsoft.com/office/drawing/2014/main" val="2371782146"/>
-                  </a:ext>
-                </a:extLst>
-              </a:tr>
-              <a:tr h="356502">
-                <a:tc>
-                  <a:txBody>
-                    <a:bodyPr/>
-                    <a:lstStyle/>
-                    <a:p>
-                      <a:pPr algn="ctr"/>
-                      <a:r>
-                        <a:rPr lang="en-US" altLang="zh-CN" sz="1200" dirty="0" smtClean="0"/>
-                        <a:t>V1.1.3</a:t>
-                      </a:r>
-                      <a:endParaRPr lang="zh-CN" altLang="en-US" sz="1200" dirty="0"/>
-                    </a:p>
-                  </a:txBody>
-                  <a:tcPr/>
-                </a:tc>
-                <a:tc>
-                  <a:txBody>
-                    <a:bodyPr/>
-                    <a:lstStyle/>
-                    <a:p>
-                      <a:pPr algn="ctr"/>
-                      <a:r>
-                        <a:rPr lang="en-US" altLang="zh-CN" sz="1200" dirty="0" smtClean="0"/>
-                        <a:t>3</a:t>
-                      </a:r>
-                      <a:endParaRPr lang="zh-CN" altLang="en-US" sz="1200" dirty="0"/>
-                    </a:p>
-                  </a:txBody>
-                  <a:tcPr/>
-                </a:tc>
-                <a:tc>
-                  <a:txBody>
-                    <a:bodyPr/>
-                    <a:lstStyle/>
-                    <a:p>
-                      <a:pPr marL="0" marR="0" lvl="0" indent="0" algn="ctr" defTabSz="914400" rtl="0" eaLnBrk="1" fontAlgn="auto" latinLnBrk="0" hangingPunct="1">
-                        <a:lnSpc>
-                          <a:spcPct val="100000"/>
-                        </a:lnSpc>
-                        <a:spcBef>
-                          <a:spcPts val="0"/>
-                        </a:spcBef>
-                        <a:spcAft>
-                          <a:spcPts val="0"/>
-                        </a:spcAft>
-                        <a:buClrTx/>
-                        <a:buSzTx/>
-                        <a:buFontTx/>
-                        <a:buNone/>
-                        <a:tabLst/>
-                        <a:defRPr/>
-                      </a:pPr>
-                      <a:r>
-                        <a:rPr lang="en-US" altLang="zh-CN" sz="1200" dirty="0" smtClean="0"/>
-                        <a:t>0/0%</a:t>
-                      </a:r>
-                      <a:endParaRPr lang="zh-CN" altLang="en-US" sz="1200" dirty="0" smtClean="0"/>
-                    </a:p>
-                  </a:txBody>
-                  <a:tcPr/>
-                </a:tc>
-                <a:tc>
-                  <a:txBody>
-                    <a:bodyPr/>
-                    <a:lstStyle/>
-                    <a:p>
-                      <a:pPr marL="0" marR="0" lvl="0" indent="0" algn="ctr" defTabSz="914400" rtl="0" eaLnBrk="1" fontAlgn="auto" latinLnBrk="0" hangingPunct="1">
-                        <a:lnSpc>
-                          <a:spcPct val="100000"/>
-                        </a:lnSpc>
-                        <a:spcBef>
-                          <a:spcPts val="0"/>
-                        </a:spcBef>
-                        <a:spcAft>
-                          <a:spcPts val="0"/>
-                        </a:spcAft>
-                        <a:buClrTx/>
-                        <a:buSzTx/>
-                        <a:buFontTx/>
-                        <a:buNone/>
-                        <a:tabLst/>
-                        <a:defRPr/>
-                      </a:pPr>
-                      <a:r>
-                        <a:rPr lang="en-US" altLang="zh-CN" sz="1200" dirty="0" smtClean="0"/>
-                        <a:t>0/0%</a:t>
-                      </a:r>
-                      <a:endParaRPr lang="zh-CN" altLang="en-US" sz="1200" dirty="0" smtClean="0"/>
-                    </a:p>
-                  </a:txBody>
-                  <a:tcPr/>
-                </a:tc>
-                <a:tc>
-                  <a:txBody>
-                    <a:bodyPr/>
-                    <a:lstStyle/>
-                    <a:p>
-                      <a:pPr algn="ctr"/>
-                      <a:r>
-                        <a:rPr lang="en-US" altLang="zh-CN" sz="1200" dirty="0" smtClean="0"/>
-                        <a:t>2.35</a:t>
-                      </a:r>
-                      <a:endParaRPr lang="zh-CN" altLang="en-US" sz="1200" dirty="0"/>
-                    </a:p>
-                  </a:txBody>
-                  <a:tcPr/>
-                </a:tc>
-                <a:tc>
-                  <a:txBody>
-                    <a:bodyPr/>
-                    <a:lstStyle/>
-                    <a:p>
-                      <a:pPr marL="0" marR="0" lvl="0" indent="0" algn="ctr" defTabSz="914400" rtl="0" eaLnBrk="1" fontAlgn="auto" latinLnBrk="0" hangingPunct="1">
-                        <a:lnSpc>
-                          <a:spcPct val="100000"/>
-                        </a:lnSpc>
-                        <a:spcBef>
-                          <a:spcPts val="0"/>
-                        </a:spcBef>
-                        <a:spcAft>
-                          <a:spcPts val="0"/>
-                        </a:spcAft>
-                        <a:buClrTx/>
-                        <a:buSzTx/>
-                        <a:buFontTx/>
-                        <a:buNone/>
-                        <a:tabLst/>
-                        <a:defRPr/>
-                      </a:pPr>
-                      <a:r>
-                        <a:rPr lang="en-US" altLang="zh-CN" sz="1200" dirty="0" smtClean="0"/>
-                        <a:t>0/0%</a:t>
-                      </a:r>
-                      <a:endParaRPr lang="zh-CN" altLang="en-US" sz="1200" dirty="0" smtClean="0"/>
-                    </a:p>
-                  </a:txBody>
-                  <a:tcPr/>
-                </a:tc>
-                <a:tc>
-                  <a:txBody>
-                    <a:bodyPr/>
-                    <a:lstStyle/>
-                    <a:p>
-                      <a:pPr algn="ctr"/>
-                      <a:r>
-                        <a:rPr lang="en-US" altLang="zh-CN" sz="1200" dirty="0" smtClean="0"/>
-                        <a:t>-</a:t>
-                      </a:r>
-                    </a:p>
-                  </a:txBody>
-                  <a:tcPr/>
-                </a:tc>
-                <a:extLst>
-                  <a:ext uri="{0D108BD9-81ED-4DB2-BD59-A6C34878D82A}">
-                    <a16:rowId xmlns:a16="http://schemas.microsoft.com/office/drawing/2014/main" val="1919938950"/>
-                  </a:ext>
-                </a:extLst>
-              </a:tr>
-              <a:tr h="356502">
-                <a:tc>
-                  <a:txBody>
-                    <a:bodyPr/>
-                    <a:lstStyle/>
-                    <a:p>
-                      <a:pPr algn="ctr"/>
-                      <a:r>
-                        <a:rPr lang="en-US" altLang="zh-CN" sz="1200" dirty="0" smtClean="0"/>
-                        <a:t>V1.2.0</a:t>
-                      </a:r>
-                      <a:r>
-                        <a:rPr lang="zh-CN" altLang="en-US" sz="1200" dirty="0" smtClean="0"/>
-                        <a:t>（测试中）</a:t>
-                      </a:r>
-                      <a:endParaRPr lang="zh-CN" altLang="en-US" sz="1200" dirty="0"/>
-                    </a:p>
-                  </a:txBody>
-                  <a:tcPr/>
-                </a:tc>
-                <a:tc>
-                  <a:txBody>
-                    <a:bodyPr/>
-                    <a:lstStyle/>
-                    <a:p>
-                      <a:pPr algn="ctr"/>
-                      <a:endParaRPr lang="zh-CN" altLang="en-US" sz="1200" dirty="0"/>
-                    </a:p>
-                  </a:txBody>
-                  <a:tcPr/>
-                </a:tc>
-                <a:tc>
-                  <a:txBody>
-                    <a:bodyPr/>
-                    <a:lstStyle/>
-                    <a:p>
-                      <a:pPr marL="0" marR="0" lvl="0" indent="0" algn="ctr" defTabSz="914400" rtl="0" eaLnBrk="1" fontAlgn="auto" latinLnBrk="0" hangingPunct="1">
-                        <a:lnSpc>
-                          <a:spcPct val="100000"/>
-                        </a:lnSpc>
-                        <a:spcBef>
-                          <a:spcPts val="0"/>
-                        </a:spcBef>
-                        <a:spcAft>
-                          <a:spcPts val="0"/>
-                        </a:spcAft>
-                        <a:buClrTx/>
-                        <a:buSzTx/>
-                        <a:buFontTx/>
-                        <a:buNone/>
-                        <a:tabLst/>
-                        <a:defRPr/>
-                      </a:pPr>
-                      <a:endParaRPr lang="zh-CN" altLang="en-US" sz="1200" dirty="0" smtClean="0"/>
-                    </a:p>
-                  </a:txBody>
-                  <a:tcPr/>
-                </a:tc>
-                <a:tc>
-                  <a:txBody>
-                    <a:bodyPr/>
-                    <a:lstStyle/>
-                    <a:p>
-                      <a:pPr marL="0" marR="0" lvl="0" indent="0" algn="ctr" defTabSz="914400" rtl="0" eaLnBrk="1" fontAlgn="auto" latinLnBrk="0" hangingPunct="1">
-                        <a:lnSpc>
-                          <a:spcPct val="100000"/>
-                        </a:lnSpc>
-                        <a:spcBef>
-                          <a:spcPts val="0"/>
-                        </a:spcBef>
-                        <a:spcAft>
-                          <a:spcPts val="0"/>
-                        </a:spcAft>
-                        <a:buClrTx/>
-                        <a:buSzTx/>
-                        <a:buFontTx/>
-                        <a:buNone/>
-                        <a:tabLst/>
-                        <a:defRPr/>
-                      </a:pPr>
-                      <a:endParaRPr lang="zh-CN" altLang="en-US" sz="1200" dirty="0" smtClean="0"/>
-                    </a:p>
-                  </a:txBody>
-                  <a:tcPr/>
-                </a:tc>
-                <a:tc>
-                  <a:txBody>
-                    <a:bodyPr/>
-                    <a:lstStyle/>
-                    <a:p>
-                      <a:pPr algn="ctr"/>
-                      <a:endParaRPr lang="zh-CN" altLang="en-US" sz="1200" dirty="0"/>
-                    </a:p>
-                  </a:txBody>
-                  <a:tcPr/>
-                </a:tc>
-                <a:tc>
-                  <a:txBody>
-                    <a:bodyPr/>
-                    <a:lstStyle/>
-                    <a:p>
-                      <a:pPr algn="ctr"/>
-                      <a:endParaRPr lang="zh-CN" altLang="en-US" sz="1200" dirty="0"/>
-                    </a:p>
-                  </a:txBody>
-                  <a:tcPr/>
-                </a:tc>
-                <a:tc>
-                  <a:txBody>
-                    <a:bodyPr/>
-                    <a:lstStyle/>
-                    <a:p>
-                      <a:pPr algn="ctr"/>
-                      <a:endParaRPr lang="en-US" altLang="zh-CN" sz="1200" dirty="0" smtClean="0"/>
-                    </a:p>
-                  </a:txBody>
-                  <a:tcPr/>
-                </a:tc>
-                <a:extLst>
-                  <a:ext uri="{0D108BD9-81ED-4DB2-BD59-A6C34878D82A}">
-                    <a16:rowId xmlns:a16="http://schemas.microsoft.com/office/drawing/2014/main" val="2634656521"/>
-                  </a:ext>
-                </a:extLst>
-              </a:tr>
-            </a:tbl>
-          </a:graphicData>
-        </a:graphic>
-      </p:graphicFrame>
       <p:sp>
         <p:nvSpPr>
           <p:cNvPr id="7" name="文本框 6"/>
@@ -4343,8 +3287,8 @@
         </p:nvSpPr>
         <p:spPr>
           <a:xfrm>
-            <a:off x="1126479" y="1130807"/>
-            <a:ext cx="3614197" cy="338554"/>
+            <a:off x="1256146" y="1459346"/>
+            <a:ext cx="7453745" cy="1384995"/>
           </a:xfrm>
           <a:prstGeom prst="rect">
             <a:avLst/>
@@ -4357,26 +3301,67 @@
           </a:bodyPr>
           <a:lstStyle/>
           <a:p>
-            <a:r>
-              <a:rPr lang="zh-CN" altLang="en-US" sz="1600" dirty="0" smtClean="0"/>
-              <a:t>平台端</a:t>
-            </a:r>
-            <a:r>
-              <a:rPr lang="en-US" altLang="zh-CN" sz="1600" dirty="0" smtClean="0"/>
-              <a:t>Bug</a:t>
-            </a:r>
-            <a:r>
-              <a:rPr lang="zh-CN" altLang="en-US" sz="1600" dirty="0" smtClean="0"/>
-              <a:t>情况</a:t>
-            </a:r>
-            <a:endParaRPr lang="zh-CN" altLang="en-US" sz="1600" dirty="0"/>
+            <a:pPr>
+              <a:lnSpc>
+                <a:spcPct val="150000"/>
+              </a:lnSpc>
+            </a:pPr>
+            <a:r>
+              <a:rPr lang="zh-CN" altLang="en-US" sz="1400" b="1" dirty="0" smtClean="0"/>
+              <a:t>设备端问题：</a:t>
+            </a:r>
+            <a:endParaRPr lang="en-US" altLang="zh-CN" sz="1400" b="1" dirty="0" smtClean="0"/>
+          </a:p>
+          <a:p>
+            <a:pPr lvl="1">
+              <a:lnSpc>
+                <a:spcPct val="150000"/>
+              </a:lnSpc>
+            </a:pPr>
+            <a:r>
+              <a:rPr lang="en-US" altLang="zh-CN" sz="1400" dirty="0" smtClean="0"/>
+              <a:t>1</a:t>
+            </a:r>
+            <a:r>
+              <a:rPr lang="zh-CN" altLang="en-US" sz="1400" dirty="0" smtClean="0"/>
+              <a:t>、算法模型、告警策略从测试的角度看比较混乱；</a:t>
+            </a:r>
+            <a:endParaRPr lang="en-US" altLang="zh-CN" sz="1400" dirty="0" smtClean="0"/>
+          </a:p>
+          <a:p>
+            <a:pPr>
+              <a:lnSpc>
+                <a:spcPct val="150000"/>
+              </a:lnSpc>
+            </a:pPr>
+            <a:r>
+              <a:rPr lang="zh-CN" altLang="en-US" sz="1400" b="1" dirty="0" smtClean="0"/>
+              <a:t>平台端问题：</a:t>
+            </a:r>
+            <a:endParaRPr lang="en-US" altLang="zh-CN" sz="1400" b="1" dirty="0" smtClean="0"/>
+          </a:p>
+          <a:p>
+            <a:pPr lvl="1">
+              <a:lnSpc>
+                <a:spcPct val="150000"/>
+              </a:lnSpc>
+            </a:pPr>
+            <a:r>
+              <a:rPr lang="en-US" altLang="zh-CN" sz="1400" dirty="0" smtClean="0"/>
+              <a:t>1</a:t>
+            </a:r>
+            <a:r>
+              <a:rPr lang="zh-CN" altLang="en-US" sz="1400" dirty="0" smtClean="0"/>
+              <a:t>、进度缓慢，无明确的版本计划；</a:t>
+            </a:r>
+            <a:endParaRPr lang="en-US" altLang="zh-CN" sz="1400" dirty="0" smtClean="0"/>
           </a:p>
         </p:txBody>
       </p:sp>
     </p:spTree>
     <p:extLst>
       <p:ext uri="{BB962C8B-B14F-4D97-AF65-F5344CB8AC3E}">
-        <p14:creationId xmlns:p14="http://schemas.microsoft.com/office/powerpoint/2010/main" val="631343760"/>
+        <p14:creationId xmlns:p14="http://schemas.microsoft.com/office/powerpoint/2010/main" val="3860018962"/>
       </p:ext>
     </p:extLst>
   </p:cSld>
@@ -4433,152 +3418,6 @@
           <a:lstStyle/>
           <a:p>
             <a:r>
-              <a:rPr lang="zh-CN" altLang="en-US" b="1" dirty="0" smtClean="0"/>
-              <a:t>存在问题汇总</a:t>
-            </a:r>
-            <a:endParaRPr lang="zh-CN" altLang="en-US" b="1" dirty="0"/>
-          </a:p>
-        </p:txBody>
-      </p:sp>
-      <p:sp>
-        <p:nvSpPr>
-          <p:cNvPr id="7" name="文本框 6"/>
-          <p:cNvSpPr txBox="1"/>
-          <p:nvPr/>
-        </p:nvSpPr>
-        <p:spPr>
-          <a:xfrm>
-            <a:off x="1256146" y="1459346"/>
-            <a:ext cx="7453745" cy="1384995"/>
-          </a:xfrm>
-          <a:prstGeom prst="rect">
-            <a:avLst/>
-          </a:prstGeom>
-          <a:noFill/>
-        </p:spPr>
-        <p:txBody>
-          <a:bodyPr wrap="square" rtlCol="0">
-            <a:spAutoFit/>
-          </a:bodyPr>
-          <a:lstStyle/>
-          <a:p>
-            <a:pPr>
-              <a:lnSpc>
-                <a:spcPct val="150000"/>
-              </a:lnSpc>
-            </a:pPr>
-            <a:r>
-              <a:rPr lang="zh-CN" altLang="en-US" sz="1400" b="1" dirty="0" smtClean="0"/>
-              <a:t>设备端问题：</a:t>
-            </a:r>
-            <a:endParaRPr lang="en-US" altLang="zh-CN" sz="1400" b="1" dirty="0" smtClean="0"/>
-          </a:p>
-          <a:p>
-            <a:pPr lvl="1">
-              <a:lnSpc>
-                <a:spcPct val="150000"/>
-              </a:lnSpc>
-            </a:pPr>
-            <a:r>
-              <a:rPr lang="en-US" altLang="zh-CN" sz="1400" dirty="0" smtClean="0"/>
-              <a:t>1</a:t>
-            </a:r>
-            <a:r>
-              <a:rPr lang="zh-CN" altLang="en-US" sz="1400" dirty="0" smtClean="0"/>
-              <a:t>、算法模型、告警策略从测试的角度看比较混乱；</a:t>
-            </a:r>
-            <a:endParaRPr lang="en-US" altLang="zh-CN" sz="1400" dirty="0" smtClean="0"/>
-          </a:p>
-          <a:p>
-            <a:pPr>
-              <a:lnSpc>
-                <a:spcPct val="150000"/>
-              </a:lnSpc>
-            </a:pPr>
-            <a:r>
-              <a:rPr lang="zh-CN" altLang="en-US" sz="1400" b="1" dirty="0" smtClean="0"/>
-              <a:t>平台端问题：</a:t>
-            </a:r>
-            <a:endParaRPr lang="en-US" altLang="zh-CN" sz="1400" b="1" dirty="0" smtClean="0"/>
-          </a:p>
-          <a:p>
-            <a:pPr lvl="1">
-              <a:lnSpc>
-                <a:spcPct val="150000"/>
-              </a:lnSpc>
-            </a:pPr>
-            <a:r>
-              <a:rPr lang="en-US" altLang="zh-CN" sz="1400" dirty="0" smtClean="0"/>
-              <a:t>1</a:t>
-            </a:r>
-            <a:r>
-              <a:rPr lang="zh-CN" altLang="en-US" sz="1400" dirty="0" smtClean="0"/>
-              <a:t>、进度缓慢，无明确的版本计划；</a:t>
-            </a:r>
-            <a:endParaRPr lang="en-US" altLang="zh-CN" sz="1400" dirty="0" smtClean="0"/>
-          </a:p>
-        </p:txBody>
-      </p:sp>
-    </p:spTree>
-    <p:extLst>
-      <p:ext uri="{BB962C8B-B14F-4D97-AF65-F5344CB8AC3E}">
-        <p14:creationId xmlns:p14="http://schemas.microsoft.com/office/powerpoint/2010/main" val="3860018962"/>
-      </p:ext>
-    </p:extLst>
-  </p:cSld>
-  <p:clrMapOvr>
-    <a:masterClrMapping/>
-  </p:clrMapOvr>
-  <p:timing>
-    <p:tnLst>
-      <p:par>
-        <p:cTn id="1" dur="indefinite" restart="never" nodeType="tmRoot"/>
-      </p:par>
-    </p:tnLst>
-  </p:timing>
-</p:sld>
-</file>
-
-<file path=ppt/slides/slide12.xml><?xml version="1.0" encoding="utf-8"?>
-<p:sld xmlns:a="http://schemas.openxmlformats.org/drawingml/2006/main" xmlns:r="http://schemas.openxmlformats.org/officeDocument/2006/relationships" xmlns:p="http://schemas.openxmlformats.org/presentationml/2006/main">
-  <p:cSld>
-    <p:spTree>
-      <p:nvGrpSpPr>
-        <p:cNvPr id="1" name=""/>
-        <p:cNvGrpSpPr/>
-        <p:nvPr/>
-      </p:nvGrpSpPr>
-      <p:grpSpPr>
-        <a:xfrm>
-          <a:off x="0" y="0"/>
-          <a:ext cx="0" cy="0"/>
-          <a:chOff x="0" y="0"/>
-          <a:chExt cx="0" cy="0"/>
-        </a:xfrm>
-      </p:grpSpPr>
-      <p:sp>
-        <p:nvSpPr>
-          <p:cNvPr id="4" name="文本框 3"/>
-          <p:cNvSpPr txBox="1"/>
-          <p:nvPr/>
-        </p:nvSpPr>
-        <p:spPr>
-          <a:xfrm>
-            <a:off x="757382" y="628072"/>
-            <a:ext cx="3454400" cy="369332"/>
-          </a:xfrm>
-          <a:prstGeom prst="rect">
-            <a:avLst/>
-          </a:prstGeom>
-          <a:noFill/>
-        </p:spPr>
-        <p:txBody>
-          <a:bodyPr wrap="square" rtlCol="0">
-            <a:spAutoFit/>
-          </a:bodyPr>
-          <a:lstStyle/>
-          <a:p>
-            <a:r>
               <a:rPr lang="en-US" altLang="zh-CN" b="1" dirty="0"/>
               <a:t>8</a:t>
             </a:r>
@@ -4834,16 +3673,12 @@
               <a:t>、疑难</a:t>
             </a:r>
             <a:r>
-              <a:rPr lang="en-US" altLang="zh-CN" sz="1400" smtClean="0"/>
+              <a:rPr lang="en-US" altLang="zh-CN" sz="1400" dirty="0" smtClean="0"/>
               <a:t>Bug</a:t>
             </a:r>
             <a:r>
-              <a:rPr lang="zh-CN" altLang="en-US" sz="1400" smtClean="0"/>
-              <a:t>处理</a:t>
-            </a:r>
-            <a:r>
               <a:rPr lang="zh-CN" altLang="en-US" sz="1400" dirty="0" smtClean="0"/>
-              <a:t>方案</a:t>
+              <a:t>处理方案</a:t>
             </a:r>
             <a:endParaRPr lang="en-US" altLang="zh-CN" sz="1400" dirty="0" smtClean="0"/>
           </a:p>
@@ -4869,7 +3704,7 @@
 </p:sld>
 </file>
 
-<file path=ppt/slides/slide13.xml><?xml version="1.0" encoding="utf-8"?>
+<file path=ppt/slides/slide12.xml><?xml version="1.0" encoding="utf-8"?>
 <p:sld xmlns:a="http://schemas.openxmlformats.org/drawingml/2006/main" xmlns:r="http://schemas.openxmlformats.org/officeDocument/2006/relationships" xmlns:p="http://schemas.openxmlformats.org/presentationml/2006/main">
   <p:cSld>
     <p:spTree>
@@ -5315,11 +4150,7 @@
             </a:r>
             <a:r>
               <a:rPr lang="zh-CN" altLang="en-US" sz="1400" dirty="0" smtClean="0"/>
-              <a:t>效果提升攻关</a:t>
-            </a:r>
-            <a:r>
-              <a:rPr lang="zh-CN" altLang="en-US" sz="1400" dirty="0" smtClean="0"/>
-              <a:t>任务</a:t>
+              <a:t>效果提升攻关任务</a:t>
             </a:r>
             <a:endParaRPr lang="en-US" altLang="zh-CN" sz="1400" dirty="0" smtClean="0"/>
           </a:p>
@@ -5469,403 +4300,6 @@
 </file>
 
 <file path=ppt/slides/slide3.xml><?xml version="1.0" encoding="utf-8"?>
-<p:sld xmlns:a="http://schemas.openxmlformats.org/drawingml/2006/main" xmlns:r="http://schemas.openxmlformats.org/officeDocument/2006/relationships" xmlns:p="http://schemas.openxmlformats.org/presentationml/2006/main">
-  <p:cSld>
-    <p:spTree>
-      <p:nvGrpSpPr>
-        <p:cNvPr id="1" name=""/>
-        <p:cNvGrpSpPr/>
-        <p:nvPr/>
-      </p:nvGrpSpPr>
-      <p:grpSpPr>
-        <a:xfrm>
-          <a:off x="0" y="0"/>
-          <a:ext cx="0" cy="0"/>
-          <a:chOff x="0" y="0"/>
-          <a:chExt cx="0" cy="0"/>
-        </a:xfrm>
-      </p:grpSpPr>
-      <p:sp>
-        <p:nvSpPr>
-          <p:cNvPr id="4" name="文本框 3"/>
-          <p:cNvSpPr txBox="1"/>
-          <p:nvPr/>
-        </p:nvSpPr>
-        <p:spPr>
-          <a:xfrm>
-            <a:off x="757382" y="628072"/>
-            <a:ext cx="3454400" cy="369332"/>
-          </a:xfrm>
-          <a:prstGeom prst="rect">
-            <a:avLst/>
-          </a:prstGeom>
-          <a:noFill/>
-        </p:spPr>
-        <p:txBody>
-          <a:bodyPr wrap="square" rtlCol="0">
-            <a:spAutoFit/>
-          </a:bodyPr>
-          <a:lstStyle/>
-          <a:p>
-            <a:r>
-              <a:rPr lang="en-US" altLang="zh-CN" b="1" dirty="0" smtClean="0"/>
-              <a:t>6</a:t>
-            </a:r>
-            <a:r>
-              <a:rPr lang="zh-CN" altLang="en-US" b="1" dirty="0" smtClean="0"/>
-              <a:t>、</a:t>
-            </a:r>
-            <a:r>
-              <a:rPr lang="en-US" altLang="zh-CN" b="1" dirty="0" smtClean="0"/>
-              <a:t>7</a:t>
-            </a:r>
-            <a:r>
-              <a:rPr lang="zh-CN" altLang="en-US" b="1" dirty="0" smtClean="0"/>
-              <a:t>月工作完成情况</a:t>
-            </a:r>
-            <a:endParaRPr lang="zh-CN" altLang="en-US" b="1" dirty="0"/>
-          </a:p>
-        </p:txBody>
-      </p:sp>
-      <p:sp>
-        <p:nvSpPr>
-          <p:cNvPr id="2" name="文本框 1"/>
-          <p:cNvSpPr txBox="1"/>
-          <p:nvPr/>
-        </p:nvSpPr>
-        <p:spPr>
-          <a:xfrm>
-            <a:off x="1126836" y="1136080"/>
-            <a:ext cx="9744364" cy="4939814"/>
-          </a:xfrm>
-          <a:prstGeom prst="rect">
-            <a:avLst/>
-          </a:prstGeom>
-          <a:noFill/>
-        </p:spPr>
-        <p:txBody>
-          <a:bodyPr wrap="square" rtlCol="0">
-            <a:spAutoFit/>
-          </a:bodyPr>
-          <a:lstStyle/>
-          <a:p>
-            <a:pPr>
-              <a:lnSpc>
-                <a:spcPct val="150000"/>
-              </a:lnSpc>
-            </a:pPr>
-            <a:r>
-              <a:rPr lang="zh-CN" altLang="en-US" sz="1400" b="1" dirty="0" smtClean="0"/>
-              <a:t>设备端版本计划</a:t>
-            </a:r>
-            <a:r>
-              <a:rPr lang="zh-CN" altLang="en-US" sz="1400" dirty="0" smtClean="0"/>
-              <a:t>：</a:t>
-            </a:r>
-            <a:endParaRPr lang="en-US" altLang="zh-CN" sz="1400" dirty="0" smtClean="0"/>
-          </a:p>
-          <a:p>
-            <a:pPr lvl="1">
-              <a:lnSpc>
-                <a:spcPct val="150000"/>
-              </a:lnSpc>
-            </a:pPr>
-            <a:r>
-              <a:rPr lang="en-US" altLang="zh-CN" sz="1400" dirty="0" smtClean="0"/>
-              <a:t>1</a:t>
-            </a:r>
-            <a:r>
-              <a:rPr lang="zh-CN" altLang="en-US" sz="1400" dirty="0" smtClean="0"/>
-              <a:t>、版本测试</a:t>
-            </a:r>
-            <a:endParaRPr lang="en-US" altLang="zh-CN" sz="1400" dirty="0" smtClean="0"/>
-          </a:p>
-          <a:p>
-            <a:pPr lvl="1">
-              <a:lnSpc>
-                <a:spcPct val="150000"/>
-              </a:lnSpc>
-            </a:pPr>
-            <a:r>
-              <a:rPr lang="en-US" altLang="zh-CN" sz="1400" dirty="0" smtClean="0"/>
-              <a:t>      </a:t>
-            </a:r>
-            <a:r>
-              <a:rPr lang="zh-CN" altLang="en-US" sz="1400" dirty="0" smtClean="0"/>
-              <a:t>已完成：</a:t>
-            </a:r>
-            <a:r>
-              <a:rPr lang="en-US" altLang="zh-CN" sz="1400" dirty="0" smtClean="0"/>
-              <a:t>P200</a:t>
-            </a:r>
-            <a:r>
-              <a:rPr lang="zh-CN" altLang="en-US" sz="1400" dirty="0" smtClean="0"/>
-              <a:t>外设、</a:t>
-            </a:r>
-            <a:r>
-              <a:rPr lang="en-US" altLang="zh-CN" sz="1400" dirty="0" smtClean="0"/>
-              <a:t>P200 4G</a:t>
-            </a:r>
-            <a:r>
-              <a:rPr lang="zh-CN" altLang="en-US" sz="1400" dirty="0" smtClean="0"/>
-              <a:t>、玖合</a:t>
-            </a:r>
-            <a:endParaRPr lang="en-US" altLang="zh-CN" sz="1400" dirty="0" smtClean="0"/>
-          </a:p>
-          <a:p>
-            <a:pPr lvl="1">
-              <a:lnSpc>
-                <a:spcPct val="150000"/>
-              </a:lnSpc>
-            </a:pPr>
-            <a:r>
-              <a:rPr lang="en-US" altLang="zh-CN" sz="1400" dirty="0" smtClean="0"/>
-              <a:t>      </a:t>
-            </a:r>
-            <a:r>
-              <a:rPr lang="zh-CN" altLang="en-US" sz="1400" dirty="0" smtClean="0"/>
-              <a:t>测试中：通立、华宝</a:t>
-            </a:r>
-            <a:endParaRPr lang="en-US" altLang="zh-CN" sz="1400" dirty="0" smtClean="0"/>
-          </a:p>
-          <a:p>
-            <a:pPr lvl="1">
-              <a:lnSpc>
-                <a:spcPct val="150000"/>
-              </a:lnSpc>
-            </a:pPr>
-            <a:r>
-              <a:rPr lang="en-US" altLang="zh-CN" sz="1400" dirty="0" smtClean="0"/>
-              <a:t>2</a:t>
-            </a:r>
-            <a:r>
-              <a:rPr lang="zh-CN" altLang="en-US" sz="1400" dirty="0" smtClean="0"/>
-              <a:t>、专项测试</a:t>
-            </a:r>
-            <a:endParaRPr lang="en-US" altLang="zh-CN" sz="1400" dirty="0" smtClean="0"/>
-          </a:p>
-          <a:p>
-            <a:pPr lvl="1">
-              <a:lnSpc>
-                <a:spcPct val="150000"/>
-              </a:lnSpc>
-            </a:pPr>
-            <a:r>
-              <a:rPr lang="en-US" altLang="zh-CN" sz="1400" dirty="0" smtClean="0"/>
-              <a:t>      GPS</a:t>
-            </a:r>
-            <a:r>
-              <a:rPr lang="zh-CN" altLang="en-US" sz="1400" dirty="0" smtClean="0"/>
-              <a:t>数据测试</a:t>
-            </a:r>
-            <a:endParaRPr lang="en-US" altLang="zh-CN" sz="1400" dirty="0" smtClean="0"/>
-          </a:p>
-          <a:p>
-            <a:pPr lvl="1">
-              <a:lnSpc>
-                <a:spcPct val="150000"/>
-              </a:lnSpc>
-            </a:pPr>
-            <a:r>
-              <a:rPr lang="en-US" altLang="zh-CN" sz="1400" dirty="0" smtClean="0"/>
-              <a:t>3</a:t>
-            </a:r>
-            <a:r>
-              <a:rPr lang="zh-CN" altLang="en-US" sz="1400" dirty="0" smtClean="0"/>
-              <a:t>、算法识别效果测试</a:t>
-            </a:r>
-            <a:endParaRPr lang="en-US" altLang="zh-CN" sz="1400" dirty="0" smtClean="0"/>
-          </a:p>
-          <a:p>
-            <a:pPr>
-              <a:lnSpc>
-                <a:spcPct val="150000"/>
-              </a:lnSpc>
-            </a:pPr>
-            <a:r>
-              <a:rPr lang="en-US" altLang="zh-CN" sz="1400" b="1" dirty="0"/>
-              <a:t> </a:t>
-            </a:r>
-            <a:r>
-              <a:rPr lang="en-US" altLang="zh-CN" sz="1400" b="1" dirty="0" smtClean="0"/>
-              <a:t>               </a:t>
-            </a:r>
-            <a:r>
-              <a:rPr lang="en-US" altLang="zh-CN" sz="1400" dirty="0" smtClean="0"/>
-              <a:t>P200</a:t>
-            </a:r>
-            <a:r>
-              <a:rPr lang="zh-CN" altLang="en-US" sz="1400" dirty="0" smtClean="0"/>
-              <a:t>、</a:t>
-            </a:r>
-            <a:r>
-              <a:rPr lang="en-US" altLang="zh-CN" sz="1400" dirty="0" smtClean="0"/>
-              <a:t>A</a:t>
-            </a:r>
-            <a:r>
-              <a:rPr lang="zh-CN" altLang="en-US" sz="1400" dirty="0" smtClean="0"/>
-              <a:t>柱摄像头横放方案、顺丰临时版本、</a:t>
-            </a:r>
-            <a:r>
-              <a:rPr lang="en-US" altLang="zh-CN" sz="1400" dirty="0" smtClean="0"/>
-              <a:t>DSM</a:t>
-            </a:r>
-            <a:r>
-              <a:rPr lang="zh-CN" altLang="en-US" sz="1400" dirty="0" smtClean="0"/>
-              <a:t>效果提升攻关</a:t>
-            </a:r>
-            <a:r>
-              <a:rPr lang="zh-CN" altLang="en-US" sz="1400" dirty="0" smtClean="0"/>
-              <a:t>任务</a:t>
-            </a:r>
-            <a:endParaRPr lang="en-US" altLang="zh-CN" sz="1400" dirty="0" smtClean="0"/>
-          </a:p>
-          <a:p>
-            <a:pPr>
-              <a:lnSpc>
-                <a:spcPct val="150000"/>
-              </a:lnSpc>
-            </a:pPr>
-            <a:r>
-              <a:rPr lang="en-US" altLang="zh-CN" sz="1400" dirty="0" smtClean="0"/>
-              <a:t>          4</a:t>
-            </a:r>
-            <a:r>
-              <a:rPr lang="zh-CN" altLang="en-US" sz="1400" dirty="0" smtClean="0"/>
-              <a:t>、测试脚本完善</a:t>
-            </a:r>
-            <a:r>
-              <a:rPr lang="en-US" altLang="zh-CN" sz="1400" dirty="0" smtClean="0"/>
-              <a:t>UI</a:t>
-            </a:r>
-            <a:r>
-              <a:rPr lang="zh-CN" altLang="en-US" sz="1400" dirty="0" smtClean="0"/>
-              <a:t>界面</a:t>
-            </a:r>
-            <a:endParaRPr lang="en-US" altLang="zh-CN" sz="1400" dirty="0" smtClean="0"/>
-          </a:p>
-          <a:p>
-            <a:pPr>
-              <a:lnSpc>
-                <a:spcPct val="150000"/>
-              </a:lnSpc>
-            </a:pPr>
-            <a:r>
-              <a:rPr lang="zh-CN" altLang="en-US" sz="1400" b="1" dirty="0" smtClean="0"/>
-              <a:t>平台端版本计划：</a:t>
-            </a:r>
-            <a:endParaRPr lang="en-US" altLang="zh-CN" sz="1400" b="1" dirty="0" smtClean="0"/>
-          </a:p>
-          <a:p>
-            <a:pPr lvl="1">
-              <a:lnSpc>
-                <a:spcPct val="150000"/>
-              </a:lnSpc>
-            </a:pPr>
-            <a:r>
-              <a:rPr lang="en-US" altLang="zh-CN" sz="1400" dirty="0" smtClean="0"/>
-              <a:t>1</a:t>
-            </a:r>
-            <a:r>
-              <a:rPr lang="zh-CN" altLang="en-US" sz="1400" dirty="0" smtClean="0"/>
-              <a:t>、版本测试</a:t>
-            </a:r>
-            <a:endParaRPr lang="en-US" altLang="zh-CN" sz="1400" dirty="0" smtClean="0"/>
-          </a:p>
-          <a:p>
-            <a:pPr lvl="1">
-              <a:lnSpc>
-                <a:spcPct val="150000"/>
-              </a:lnSpc>
-            </a:pPr>
-            <a:r>
-              <a:rPr lang="en-US" altLang="zh-CN" sz="1400" dirty="0" smtClean="0"/>
-              <a:t>      V1.1.3</a:t>
-            </a:r>
-            <a:r>
-              <a:rPr lang="zh-CN" altLang="en-US" sz="1400" dirty="0" smtClean="0"/>
-              <a:t>，界面优化，问题修复</a:t>
-            </a:r>
-            <a:endParaRPr lang="en-US" altLang="zh-CN" sz="1400" dirty="0" smtClean="0"/>
-          </a:p>
-          <a:p>
-            <a:pPr lvl="1">
-              <a:lnSpc>
-                <a:spcPct val="150000"/>
-              </a:lnSpc>
-            </a:pPr>
-            <a:r>
-              <a:rPr lang="en-US" altLang="zh-CN" sz="1400" dirty="0" smtClean="0"/>
-              <a:t>      V1.2.0</a:t>
-            </a:r>
-            <a:r>
-              <a:rPr lang="zh-CN" altLang="en-US" sz="1400" dirty="0" smtClean="0"/>
-              <a:t>，轨迹回放功能</a:t>
-            </a:r>
-            <a:endParaRPr lang="en-US" altLang="zh-CN" sz="1400" dirty="0" smtClean="0"/>
-          </a:p>
-          <a:p>
-            <a:pPr lvl="1">
-              <a:lnSpc>
-                <a:spcPct val="150000"/>
-              </a:lnSpc>
-            </a:pPr>
-            <a:r>
-              <a:rPr lang="en-US" altLang="zh-CN" sz="1400" dirty="0" smtClean="0"/>
-              <a:t>2</a:t>
-            </a:r>
-            <a:r>
-              <a:rPr lang="zh-CN" altLang="en-US" sz="1400" dirty="0" smtClean="0"/>
-              <a:t>、接口调试</a:t>
-            </a:r>
-            <a:r>
-              <a:rPr lang="en-US" altLang="zh-CN" sz="1400" dirty="0" smtClean="0"/>
-              <a:t>  </a:t>
-            </a:r>
-          </a:p>
-          <a:p>
-            <a:pPr lvl="1">
-              <a:lnSpc>
-                <a:spcPct val="150000"/>
-              </a:lnSpc>
-            </a:pPr>
-            <a:r>
-              <a:rPr lang="en-US" altLang="zh-CN" sz="1400" dirty="0" smtClean="0"/>
-              <a:t>3</a:t>
-            </a:r>
-            <a:r>
-              <a:rPr lang="zh-CN" altLang="en-US" sz="1400" dirty="0" smtClean="0"/>
-              <a:t>、模拟客户端上报测试</a:t>
-            </a:r>
-            <a:r>
-              <a:rPr lang="en-US" altLang="zh-CN" sz="1400" dirty="0" smtClean="0"/>
-              <a:t>    </a:t>
-            </a:r>
-            <a:endParaRPr lang="zh-CN" altLang="en-US" sz="1400" dirty="0" smtClean="0"/>
-          </a:p>
-        </p:txBody>
-      </p:sp>
-    </p:spTree>
-    <p:extLst>
-      <p:ext uri="{BB962C8B-B14F-4D97-AF65-F5344CB8AC3E}">
-        <p14:creationId xmlns:p14="http://schemas.microsoft.com/office/powerpoint/2010/main" val="2702034773"/>
-      </p:ext>
-    </p:extLst>
-  </p:cSld>
-  <p:clrMapOvr>
-    <a:masterClrMapping/>
-  </p:clrMapOvr>
-  <p:timing>
-    <p:tnLst>
-      <p:par>
-        <p:cTn id="1" dur="indefinite" restart="never" nodeType="tmRoot"/>
-      </p:par>
-    </p:tnLst>
-  </p:timing>
-</p:sld>
-</file>
-
-<file path=ppt/slides/slide4.xml><?xml version="1.0" encoding="utf-8"?>
 <p:sld xmlns:a="http://schemas.openxmlformats.org/drawingml/2006/main" xmlns:r="http://schemas.openxmlformats.org/officeDocument/2006/relationships" xmlns:p="http://schemas.openxmlformats.org/presentationml/2006/main">
   <p:cSld>
     <p:spTree>
@@ -5973,7 +4407,7 @@
 </p:sld>
 </file>
 
-<file path=ppt/slides/slide5.xml><?xml version="1.0" encoding="utf-8"?>
+<file path=ppt/slides/slide4.xml><?xml version="1.0" encoding="utf-8"?>
 <p:sld xmlns:a="http://schemas.openxmlformats.org/drawingml/2006/main" xmlns:r="http://schemas.openxmlformats.org/officeDocument/2006/relationships" xmlns:p="http://schemas.openxmlformats.org/presentationml/2006/main">
   <p:cSld>
     <p:spTree>
@@ -6208,7 +4642,7 @@
 </p:sld>
 </file>
 
-<file path=ppt/slides/slide6.xml><?xml version="1.0" encoding="utf-8"?>
+<file path=ppt/slides/slide5.xml><?xml version="1.0" encoding="utf-8"?>
 <p:sld xmlns:a="http://schemas.openxmlformats.org/drawingml/2006/main" xmlns:r="http://schemas.openxmlformats.org/officeDocument/2006/relationships" xmlns:p="http://schemas.openxmlformats.org/presentationml/2006/main">
   <p:cSld>
     <p:spTree>
@@ -6340,7 +4774,7 @@
 </p:sld>
 </file>
 
-<file path=ppt/slides/slide7.xml><?xml version="1.0" encoding="utf-8"?>
+<file path=ppt/slides/slide6.xml><?xml version="1.0" encoding="utf-8"?>
 <p:sld xmlns:a="http://schemas.openxmlformats.org/drawingml/2006/main" xmlns:r="http://schemas.openxmlformats.org/officeDocument/2006/relationships" xmlns:p="http://schemas.openxmlformats.org/presentationml/2006/main">
   <p:cSld>
     <p:spTree>
@@ -7144,7 +5578,7 @@
 </p:sld>
 </file>
 
-<file path=ppt/slides/slide8.xml><?xml version="1.0" encoding="utf-8"?>
+<file path=ppt/slides/slide7.xml><?xml version="1.0" encoding="utf-8"?>
 <p:sld xmlns:a="http://schemas.openxmlformats.org/drawingml/2006/main" xmlns:r="http://schemas.openxmlformats.org/officeDocument/2006/relationships" xmlns:p="http://schemas.openxmlformats.org/presentationml/2006/main">
   <p:cSld>
     <p:spTree>
@@ -7963,7 +6397,7 @@
 </p:sld>
 </file>
 
-<file path=ppt/slides/slide9.xml><?xml version="1.0" encoding="utf-8"?>
+<file path=ppt/slides/slide8.xml><?xml version="1.0" encoding="utf-8"?>
 <p:sld xmlns:a="http://schemas.openxmlformats.org/drawingml/2006/main" xmlns:r="http://schemas.openxmlformats.org/officeDocument/2006/relationships" xmlns:p="http://schemas.openxmlformats.org/presentationml/2006/main">
   <p:cSld>
     <p:spTree>
@@ -8785,6 +7219,1166 @@
     <p:extLst>
       <p:ext uri="{BB962C8B-B14F-4D97-AF65-F5344CB8AC3E}">
         <p14:creationId xmlns:p14="http://schemas.microsoft.com/office/powerpoint/2010/main" val="1129998385"/>
+      </p:ext>
+    </p:extLst>
+  </p:cSld>
+  <p:clrMapOvr>
+    <a:masterClrMapping/>
+  </p:clrMapOvr>
+  <p:timing>
+    <p:tnLst>
+      <p:par>
+        <p:cTn id="1" dur="indefinite" restart="never" nodeType="tmRoot"/>
+      </p:par>
+    </p:tnLst>
+  </p:timing>
+</p:sld>
+</file>
+
+<file path=ppt/slides/slide9.xml><?xml version="1.0" encoding="utf-8"?>
+<p:sld xmlns:a="http://schemas.openxmlformats.org/drawingml/2006/main" xmlns:r="http://schemas.openxmlformats.org/officeDocument/2006/relationships" xmlns:p="http://schemas.openxmlformats.org/presentationml/2006/main">
+  <p:cSld>
+    <p:spTree>
+      <p:nvGrpSpPr>
+        <p:cNvPr id="1" name=""/>
+        <p:cNvGrpSpPr/>
+        <p:nvPr/>
+      </p:nvGrpSpPr>
+      <p:grpSpPr>
+        <a:xfrm>
+          <a:off x="0" y="0"/>
+          <a:ext cx="0" cy="0"/>
+          <a:chOff x="0" y="0"/>
+          <a:chExt cx="0" cy="0"/>
+        </a:xfrm>
+      </p:grpSpPr>
+      <p:sp>
+        <p:nvSpPr>
+          <p:cNvPr id="5" name="文本框 4"/>
+          <p:cNvSpPr txBox="1"/>
+          <p:nvPr/>
+        </p:nvSpPr>
+        <p:spPr>
+          <a:xfrm>
+            <a:off x="757382" y="628072"/>
+            <a:ext cx="3454400" cy="369332"/>
+          </a:xfrm>
+          <a:prstGeom prst="rect">
+            <a:avLst/>
+          </a:prstGeom>
+          <a:noFill/>
+        </p:spPr>
+        <p:txBody>
+          <a:bodyPr wrap="square" rtlCol="0">
+            <a:spAutoFit/>
+          </a:bodyPr>
+          <a:lstStyle/>
+          <a:p>
+            <a:r>
+              <a:rPr lang="zh-CN" altLang="en-US" b="1" dirty="0" smtClean="0"/>
+              <a:t>版本提测及</a:t>
+            </a:r>
+            <a:r>
+              <a:rPr lang="en-US" altLang="zh-CN" b="1" dirty="0" smtClean="0"/>
+              <a:t>Bug</a:t>
+            </a:r>
+            <a:r>
+              <a:rPr lang="zh-CN" altLang="en-US" b="1" dirty="0" smtClean="0"/>
+              <a:t>分析</a:t>
+            </a:r>
+            <a:endParaRPr lang="zh-CN" altLang="en-US" b="1" dirty="0"/>
+          </a:p>
+        </p:txBody>
+      </p:sp>
+      <p:graphicFrame>
+        <p:nvGraphicFramePr>
+          <p:cNvPr id="6" name="表格 5"/>
+          <p:cNvGraphicFramePr>
+            <a:graphicFrameLocks noGrp="1"/>
+          </p:cNvGraphicFramePr>
+          <p:nvPr>
+            <p:extLst>
+              <p:ext uri="{D42A27DB-BD31-4B8C-83A1-F6EECF244321}">
+                <p14:modId xmlns:p14="http://schemas.microsoft.com/office/powerpoint/2010/main" val="1107104957"/>
+              </p:ext>
+            </p:extLst>
+          </p:nvPr>
+        </p:nvGraphicFramePr>
+        <p:xfrm>
+          <a:off x="1145223" y="1637412"/>
+          <a:ext cx="9718448" cy="2558730"/>
+        </p:xfrm>
+        <a:graphic>
+          <a:graphicData uri="http://schemas.openxmlformats.org/drawingml/2006/table">
+            <a:tbl>
+              <a:tblPr firstRow="1" bandRow="1">
+                <a:tableStyleId>{5C22544A-7EE6-4342-B048-85BDC9FD1C3A}</a:tableStyleId>
+              </a:tblPr>
+              <a:tblGrid>
+                <a:gridCol w="807868">
+                  <a:extLst>
+                    <a:ext uri="{9D8B030D-6E8A-4147-A177-3AD203B41FA5}">
+                      <a16:colId xmlns:a16="http://schemas.microsoft.com/office/drawing/2014/main" val="3582662001"/>
+                    </a:ext>
+                  </a:extLst>
+                </a:gridCol>
+                <a:gridCol w="1068908">
+                  <a:extLst>
+                    <a:ext uri="{9D8B030D-6E8A-4147-A177-3AD203B41FA5}">
+                      <a16:colId xmlns:a16="http://schemas.microsoft.com/office/drawing/2014/main" val="443386889"/>
+                    </a:ext>
+                  </a:extLst>
+                </a:gridCol>
+                <a:gridCol w="1440872">
+                  <a:extLst>
+                    <a:ext uri="{9D8B030D-6E8A-4147-A177-3AD203B41FA5}">
+                      <a16:colId xmlns:a16="http://schemas.microsoft.com/office/drawing/2014/main" val="1193323362"/>
+                    </a:ext>
+                  </a:extLst>
+                </a:gridCol>
+                <a:gridCol w="1745673">
+                  <a:extLst>
+                    <a:ext uri="{9D8B030D-6E8A-4147-A177-3AD203B41FA5}">
+                      <a16:colId xmlns:a16="http://schemas.microsoft.com/office/drawing/2014/main" val="4057531282"/>
+                    </a:ext>
+                  </a:extLst>
+                </a:gridCol>
+                <a:gridCol w="1440873">
+                  <a:extLst>
+                    <a:ext uri="{9D8B030D-6E8A-4147-A177-3AD203B41FA5}">
+                      <a16:colId xmlns:a16="http://schemas.microsoft.com/office/drawing/2014/main" val="2844749733"/>
+                    </a:ext>
+                  </a:extLst>
+                </a:gridCol>
+                <a:gridCol w="1699491">
+                  <a:extLst>
+                    <a:ext uri="{9D8B030D-6E8A-4147-A177-3AD203B41FA5}">
+                      <a16:colId xmlns:a16="http://schemas.microsoft.com/office/drawing/2014/main" val="3603334489"/>
+                    </a:ext>
+                  </a:extLst>
+                </a:gridCol>
+                <a:gridCol w="1514763">
+                  <a:extLst>
+                    <a:ext uri="{9D8B030D-6E8A-4147-A177-3AD203B41FA5}">
+                      <a16:colId xmlns:a16="http://schemas.microsoft.com/office/drawing/2014/main" val="706299963"/>
+                    </a:ext>
+                  </a:extLst>
+                </a:gridCol>
+              </a:tblGrid>
+              <a:tr h="319020">
+                <a:tc>
+                  <a:txBody>
+                    <a:bodyPr/>
+                    <a:lstStyle/>
+                    <a:p>
+                      <a:pPr algn="ctr"/>
+                      <a:r>
+                        <a:rPr lang="zh-CN" altLang="en-US" sz="1200" dirty="0" smtClean="0"/>
+                        <a:t>版本</a:t>
+                      </a:r>
+                      <a:endParaRPr lang="zh-CN" altLang="en-US" sz="1200" dirty="0"/>
+                    </a:p>
+                  </a:txBody>
+                  <a:tcPr/>
+                </a:tc>
+                <a:tc>
+                  <a:txBody>
+                    <a:bodyPr/>
+                    <a:lstStyle/>
+                    <a:p>
+                      <a:r>
+                        <a:rPr lang="zh-CN" altLang="en-US" sz="1200" dirty="0" smtClean="0"/>
+                        <a:t>提交</a:t>
+                      </a:r>
+                      <a:r>
+                        <a:rPr lang="en-US" altLang="zh-CN" sz="1200" dirty="0" smtClean="0"/>
+                        <a:t>Bug</a:t>
+                      </a:r>
+                      <a:r>
+                        <a:rPr lang="zh-CN" altLang="en-US" sz="1200" dirty="0" smtClean="0"/>
+                        <a:t>总数</a:t>
+                      </a:r>
+                      <a:endParaRPr lang="zh-CN" altLang="en-US" sz="1200" dirty="0"/>
+                    </a:p>
+                  </a:txBody>
+                  <a:tcPr/>
+                </a:tc>
+                <a:tc>
+                  <a:txBody>
+                    <a:bodyPr/>
+                    <a:lstStyle/>
+                    <a:p>
+                      <a:r>
+                        <a:rPr lang="zh-CN" altLang="en-US" sz="1200" dirty="0" smtClean="0"/>
+                        <a:t>严重</a:t>
+                      </a:r>
+                      <a:r>
+                        <a:rPr lang="en-US" altLang="zh-CN" sz="1200" dirty="0" smtClean="0"/>
+                        <a:t>Bug</a:t>
+                      </a:r>
+                      <a:r>
+                        <a:rPr lang="zh-CN" altLang="en-US" sz="1200" dirty="0" smtClean="0"/>
+                        <a:t>总数</a:t>
+                      </a:r>
+                      <a:r>
+                        <a:rPr lang="en-US" altLang="zh-CN" sz="1200" dirty="0" smtClean="0"/>
+                        <a:t>/</a:t>
+                      </a:r>
+                      <a:r>
+                        <a:rPr lang="zh-CN" altLang="en-US" sz="1200" dirty="0" smtClean="0"/>
+                        <a:t>比例</a:t>
+                      </a:r>
+                      <a:endParaRPr lang="zh-CN" altLang="en-US" sz="1200" dirty="0"/>
+                    </a:p>
+                  </a:txBody>
+                  <a:tcPr/>
+                </a:tc>
+                <a:tc>
+                  <a:txBody>
+                    <a:bodyPr/>
+                    <a:lstStyle/>
+                    <a:p>
+                      <a:r>
+                        <a:rPr lang="zh-CN" altLang="en-US" sz="1200" dirty="0" smtClean="0"/>
+                        <a:t>激活状态</a:t>
+                      </a:r>
+                      <a:r>
+                        <a:rPr lang="en-US" altLang="zh-CN" sz="1200" dirty="0" smtClean="0"/>
+                        <a:t>Bug</a:t>
+                      </a:r>
+                      <a:r>
+                        <a:rPr lang="zh-CN" altLang="en-US" sz="1200" dirty="0" smtClean="0"/>
+                        <a:t>总数</a:t>
+                      </a:r>
+                      <a:r>
+                        <a:rPr lang="en-US" altLang="zh-CN" sz="1200" dirty="0" smtClean="0"/>
+                        <a:t>/</a:t>
+                      </a:r>
+                      <a:r>
+                        <a:rPr lang="zh-CN" altLang="en-US" sz="1200" dirty="0" smtClean="0"/>
+                        <a:t>比例</a:t>
+                      </a:r>
+                      <a:endParaRPr lang="zh-CN" altLang="en-US" sz="1200" dirty="0"/>
+                    </a:p>
+                  </a:txBody>
+                  <a:tcPr/>
+                </a:tc>
+                <a:tc>
+                  <a:txBody>
+                    <a:bodyPr/>
+                    <a:lstStyle/>
+                    <a:p>
+                      <a:r>
+                        <a:rPr lang="en-US" altLang="zh-CN" sz="1200" dirty="0" smtClean="0"/>
+                        <a:t>Bug</a:t>
+                      </a:r>
+                      <a:r>
+                        <a:rPr lang="zh-CN" altLang="en-US" sz="1200" dirty="0" smtClean="0"/>
+                        <a:t>平均解决周期</a:t>
+                      </a:r>
+                      <a:endParaRPr lang="zh-CN" altLang="en-US" sz="1200" dirty="0"/>
+                    </a:p>
+                  </a:txBody>
+                  <a:tcPr/>
+                </a:tc>
+                <a:tc>
+                  <a:txBody>
+                    <a:bodyPr/>
+                    <a:lstStyle/>
+                    <a:p>
+                      <a:r>
+                        <a:rPr lang="zh-CN" altLang="en-US" sz="1200" dirty="0" smtClean="0"/>
+                        <a:t>多次激活</a:t>
+                      </a:r>
+                      <a:r>
+                        <a:rPr lang="en-US" altLang="zh-CN" sz="1200" dirty="0" smtClean="0"/>
+                        <a:t>Bug</a:t>
+                      </a:r>
+                      <a:r>
+                        <a:rPr lang="zh-CN" altLang="en-US" sz="1200" dirty="0" smtClean="0"/>
+                        <a:t>数</a:t>
+                      </a:r>
+                      <a:r>
+                        <a:rPr lang="en-US" altLang="zh-CN" sz="1200" dirty="0" smtClean="0"/>
+                        <a:t>/</a:t>
+                      </a:r>
+                      <a:r>
+                        <a:rPr lang="zh-CN" altLang="en-US" sz="1200" dirty="0" smtClean="0"/>
+                        <a:t>比例</a:t>
+                      </a:r>
+                      <a:endParaRPr lang="zh-CN" altLang="en-US" sz="1200" dirty="0"/>
+                    </a:p>
+                  </a:txBody>
+                  <a:tcPr/>
+                </a:tc>
+                <a:tc>
+                  <a:txBody>
+                    <a:bodyPr/>
+                    <a:lstStyle/>
+                    <a:p>
+                      <a:pPr algn="ctr"/>
+                      <a:r>
+                        <a:rPr lang="zh-CN" altLang="en-US" sz="1200" dirty="0" smtClean="0"/>
+                        <a:t>激活</a:t>
+                      </a:r>
+                      <a:r>
+                        <a:rPr lang="en-US" altLang="zh-CN" sz="1200" dirty="0" smtClean="0"/>
+                        <a:t>Bug</a:t>
+                      </a:r>
+                      <a:r>
+                        <a:rPr lang="zh-CN" altLang="en-US" sz="1200" dirty="0" smtClean="0"/>
+                        <a:t>总数</a:t>
+                      </a:r>
+                      <a:endParaRPr lang="zh-CN" altLang="en-US" sz="1200" dirty="0"/>
+                    </a:p>
+                  </a:txBody>
+                  <a:tcPr/>
+                </a:tc>
+                <a:extLst>
+                  <a:ext uri="{0D108BD9-81ED-4DB2-BD59-A6C34878D82A}">
+                    <a16:rowId xmlns:a16="http://schemas.microsoft.com/office/drawing/2014/main" val="1830430895"/>
+                  </a:ext>
+                </a:extLst>
+              </a:tr>
+              <a:tr h="356502">
+                <a:tc>
+                  <a:txBody>
+                    <a:bodyPr/>
+                    <a:lstStyle/>
+                    <a:p>
+                      <a:pPr algn="ctr"/>
+                      <a:r>
+                        <a:rPr lang="en-US" altLang="zh-CN" sz="1200" dirty="0" smtClean="0"/>
+                        <a:t>V1.0.0</a:t>
+                      </a:r>
+                      <a:endParaRPr lang="zh-CN" altLang="en-US" sz="1200" dirty="0"/>
+                    </a:p>
+                  </a:txBody>
+                  <a:tcPr/>
+                </a:tc>
+                <a:tc>
+                  <a:txBody>
+                    <a:bodyPr/>
+                    <a:lstStyle/>
+                    <a:p>
+                      <a:pPr algn="ctr"/>
+                      <a:r>
+                        <a:rPr lang="en-US" altLang="zh-CN" sz="1200" dirty="0" smtClean="0"/>
+                        <a:t>33</a:t>
+                      </a:r>
+                      <a:endParaRPr lang="zh-CN" altLang="en-US" sz="1200" dirty="0"/>
+                    </a:p>
+                  </a:txBody>
+                  <a:tcPr/>
+                </a:tc>
+                <a:tc>
+                  <a:txBody>
+                    <a:bodyPr/>
+                    <a:lstStyle/>
+                    <a:p>
+                      <a:pPr algn="ctr"/>
+                      <a:r>
+                        <a:rPr lang="en-US" altLang="zh-CN" sz="1200" dirty="0" smtClean="0"/>
+                        <a:t>3/9.10%</a:t>
+                      </a:r>
+                      <a:endParaRPr lang="zh-CN" altLang="en-US" sz="1200" dirty="0"/>
+                    </a:p>
+                  </a:txBody>
+                  <a:tcPr/>
+                </a:tc>
+                <a:tc>
+                  <a:txBody>
+                    <a:bodyPr/>
+                    <a:lstStyle/>
+                    <a:p>
+                      <a:pPr algn="ctr"/>
+                      <a:r>
+                        <a:rPr lang="en-US" altLang="zh-CN" sz="1200" dirty="0" smtClean="0"/>
+                        <a:t>3/9.10%</a:t>
+                      </a:r>
+                      <a:endParaRPr lang="zh-CN" altLang="en-US" sz="1200" dirty="0"/>
+                    </a:p>
+                  </a:txBody>
+                  <a:tcPr/>
+                </a:tc>
+                <a:tc>
+                  <a:txBody>
+                    <a:bodyPr/>
+                    <a:lstStyle/>
+                    <a:p>
+                      <a:pPr algn="ctr"/>
+                      <a:r>
+                        <a:rPr lang="en-US" altLang="zh-CN" sz="1200" dirty="0" smtClean="0"/>
+                        <a:t>4.80</a:t>
+                      </a:r>
+                      <a:endParaRPr lang="zh-CN" altLang="en-US" sz="1200" dirty="0"/>
+                    </a:p>
+                  </a:txBody>
+                  <a:tcPr/>
+                </a:tc>
+                <a:tc>
+                  <a:txBody>
+                    <a:bodyPr/>
+                    <a:lstStyle/>
+                    <a:p>
+                      <a:pPr algn="ctr"/>
+                      <a:r>
+                        <a:rPr lang="en-US" altLang="zh-CN" sz="1200" dirty="0" smtClean="0"/>
+                        <a:t>3/9.10%</a:t>
+                      </a:r>
+                      <a:endParaRPr lang="zh-CN" altLang="en-US" sz="1200" dirty="0"/>
+                    </a:p>
+                  </a:txBody>
+                  <a:tcPr/>
+                </a:tc>
+                <a:tc>
+                  <a:txBody>
+                    <a:bodyPr/>
+                    <a:lstStyle/>
+                    <a:p>
+                      <a:pPr algn="ctr"/>
+                      <a:r>
+                        <a:rPr lang="en-US" altLang="zh-CN" sz="1200" dirty="0" smtClean="0"/>
+                        <a:t>-</a:t>
+                      </a:r>
+                      <a:endParaRPr lang="zh-CN" altLang="en-US" sz="1200" dirty="0"/>
+                    </a:p>
+                  </a:txBody>
+                  <a:tcPr/>
+                </a:tc>
+                <a:extLst>
+                  <a:ext uri="{0D108BD9-81ED-4DB2-BD59-A6C34878D82A}">
+                    <a16:rowId xmlns:a16="http://schemas.microsoft.com/office/drawing/2014/main" val="2844914975"/>
+                  </a:ext>
+                </a:extLst>
+              </a:tr>
+              <a:tr h="356502">
+                <a:tc>
+                  <a:txBody>
+                    <a:bodyPr/>
+                    <a:lstStyle/>
+                    <a:p>
+                      <a:pPr algn="ctr"/>
+                      <a:r>
+                        <a:rPr lang="en-US" altLang="zh-CN" sz="1200" dirty="0" smtClean="0"/>
+                        <a:t>V1.0.1</a:t>
+                      </a:r>
+                      <a:endParaRPr lang="zh-CN" altLang="en-US" sz="1200" dirty="0"/>
+                    </a:p>
+                  </a:txBody>
+                  <a:tcPr/>
+                </a:tc>
+                <a:tc>
+                  <a:txBody>
+                    <a:bodyPr/>
+                    <a:lstStyle/>
+                    <a:p>
+                      <a:pPr algn="ctr"/>
+                      <a:r>
+                        <a:rPr lang="en-US" altLang="zh-CN" sz="1200" dirty="0" smtClean="0"/>
+                        <a:t>18</a:t>
+                      </a:r>
+                      <a:endParaRPr lang="zh-CN" altLang="en-US" sz="1200" dirty="0"/>
+                    </a:p>
+                  </a:txBody>
+                  <a:tcPr/>
+                </a:tc>
+                <a:tc>
+                  <a:txBody>
+                    <a:bodyPr/>
+                    <a:lstStyle/>
+                    <a:p>
+                      <a:pPr algn="ctr"/>
+                      <a:r>
+                        <a:rPr lang="en-US" altLang="zh-CN" sz="1200" dirty="0" smtClean="0"/>
+                        <a:t>0/0%</a:t>
+                      </a:r>
+                      <a:endParaRPr lang="zh-CN" altLang="en-US" sz="1200" dirty="0"/>
+                    </a:p>
+                  </a:txBody>
+                  <a:tcPr/>
+                </a:tc>
+                <a:tc>
+                  <a:txBody>
+                    <a:bodyPr/>
+                    <a:lstStyle/>
+                    <a:p>
+                      <a:pPr algn="ctr"/>
+                      <a:r>
+                        <a:rPr lang="en-US" altLang="zh-CN" sz="1200" dirty="0" smtClean="0"/>
+                        <a:t>4/22.22%</a:t>
+                      </a:r>
+                      <a:endParaRPr lang="zh-CN" altLang="en-US" sz="1200" dirty="0"/>
+                    </a:p>
+                  </a:txBody>
+                  <a:tcPr/>
+                </a:tc>
+                <a:tc>
+                  <a:txBody>
+                    <a:bodyPr/>
+                    <a:lstStyle/>
+                    <a:p>
+                      <a:pPr algn="ctr"/>
+                      <a:r>
+                        <a:rPr lang="en-US" altLang="zh-CN" sz="1200" dirty="0" smtClean="0"/>
+                        <a:t>3.43</a:t>
+                      </a:r>
+                      <a:endParaRPr lang="zh-CN" altLang="en-US" sz="1200" dirty="0"/>
+                    </a:p>
+                  </a:txBody>
+                  <a:tcPr/>
+                </a:tc>
+                <a:tc>
+                  <a:txBody>
+                    <a:bodyPr/>
+                    <a:lstStyle/>
+                    <a:p>
+                      <a:pPr algn="ctr"/>
+                      <a:r>
+                        <a:rPr lang="en-US" altLang="zh-CN" sz="1200" dirty="0" smtClean="0"/>
+                        <a:t>3/16.67%</a:t>
+                      </a:r>
+                      <a:endParaRPr lang="zh-CN" altLang="en-US" sz="1200" dirty="0"/>
+                    </a:p>
+                  </a:txBody>
+                  <a:tcPr/>
+                </a:tc>
+                <a:tc>
+                  <a:txBody>
+                    <a:bodyPr/>
+                    <a:lstStyle/>
+                    <a:p>
+                      <a:pPr algn="ctr"/>
+                      <a:r>
+                        <a:rPr lang="en-US" altLang="zh-CN" sz="1200" dirty="0" smtClean="0"/>
+                        <a:t>-</a:t>
+                      </a:r>
+                      <a:endParaRPr lang="zh-CN" altLang="en-US" sz="1200" dirty="0"/>
+                    </a:p>
+                  </a:txBody>
+                  <a:tcPr/>
+                </a:tc>
+                <a:extLst>
+                  <a:ext uri="{0D108BD9-81ED-4DB2-BD59-A6C34878D82A}">
+                    <a16:rowId xmlns:a16="http://schemas.microsoft.com/office/drawing/2014/main" val="1253924840"/>
+                  </a:ext>
+                </a:extLst>
+              </a:tr>
+              <a:tr h="356502">
+                <a:tc>
+                  <a:txBody>
+                    <a:bodyPr/>
+                    <a:lstStyle/>
+                    <a:p>
+                      <a:pPr algn="ctr"/>
+                      <a:r>
+                        <a:rPr lang="en-US" altLang="zh-CN" sz="1200" dirty="0" smtClean="0"/>
+                        <a:t>V1.1.0</a:t>
+                      </a:r>
+                      <a:endParaRPr lang="zh-CN" altLang="en-US" sz="1200" dirty="0"/>
+                    </a:p>
+                  </a:txBody>
+                  <a:tcPr/>
+                </a:tc>
+                <a:tc>
+                  <a:txBody>
+                    <a:bodyPr/>
+                    <a:lstStyle/>
+                    <a:p>
+                      <a:pPr algn="ctr"/>
+                      <a:r>
+                        <a:rPr lang="en-US" altLang="zh-CN" sz="1200" dirty="0" smtClean="0"/>
+                        <a:t>15</a:t>
+                      </a:r>
+                      <a:endParaRPr lang="zh-CN" altLang="en-US" sz="1200" dirty="0"/>
+                    </a:p>
+                  </a:txBody>
+                  <a:tcPr/>
+                </a:tc>
+                <a:tc>
+                  <a:txBody>
+                    <a:bodyPr/>
+                    <a:lstStyle/>
+                    <a:p>
+                      <a:pPr marL="0" marR="0" lvl="0" indent="0" algn="ctr" defTabSz="914400" rtl="0" eaLnBrk="1" fontAlgn="auto" latinLnBrk="0" hangingPunct="1">
+                        <a:lnSpc>
+                          <a:spcPct val="100000"/>
+                        </a:lnSpc>
+                        <a:spcBef>
+                          <a:spcPts val="0"/>
+                        </a:spcBef>
+                        <a:spcAft>
+                          <a:spcPts val="0"/>
+                        </a:spcAft>
+                        <a:buClrTx/>
+                        <a:buSzTx/>
+                        <a:buFontTx/>
+                        <a:buNone/>
+                        <a:tabLst/>
+                        <a:defRPr/>
+                      </a:pPr>
+                      <a:r>
+                        <a:rPr lang="en-US" altLang="zh-CN" sz="1200" dirty="0" smtClean="0"/>
+                        <a:t>0/0%</a:t>
+                      </a:r>
+                      <a:endParaRPr lang="zh-CN" altLang="en-US" sz="1200" dirty="0" smtClean="0"/>
+                    </a:p>
+                  </a:txBody>
+                  <a:tcPr/>
+                </a:tc>
+                <a:tc>
+                  <a:txBody>
+                    <a:bodyPr/>
+                    <a:lstStyle/>
+                    <a:p>
+                      <a:pPr marL="0" marR="0" lvl="0" indent="0" algn="ctr" defTabSz="914400" rtl="0" eaLnBrk="1" fontAlgn="auto" latinLnBrk="0" hangingPunct="1">
+                        <a:lnSpc>
+                          <a:spcPct val="100000"/>
+                        </a:lnSpc>
+                        <a:spcBef>
+                          <a:spcPts val="0"/>
+                        </a:spcBef>
+                        <a:spcAft>
+                          <a:spcPts val="0"/>
+                        </a:spcAft>
+                        <a:buClrTx/>
+                        <a:buSzTx/>
+                        <a:buFontTx/>
+                        <a:buNone/>
+                        <a:tabLst/>
+                        <a:defRPr/>
+                      </a:pPr>
+                      <a:r>
+                        <a:rPr lang="en-US" altLang="zh-CN" sz="1200" dirty="0" smtClean="0"/>
+                        <a:t>0/0%</a:t>
+                      </a:r>
+                      <a:endParaRPr lang="zh-CN" altLang="en-US" sz="1200" dirty="0" smtClean="0"/>
+                    </a:p>
+                  </a:txBody>
+                  <a:tcPr/>
+                </a:tc>
+                <a:tc>
+                  <a:txBody>
+                    <a:bodyPr/>
+                    <a:lstStyle/>
+                    <a:p>
+                      <a:pPr algn="ctr"/>
+                      <a:r>
+                        <a:rPr lang="en-US" altLang="zh-CN" sz="1200" dirty="0" smtClean="0"/>
+                        <a:t>0.8</a:t>
+                      </a:r>
+                      <a:endParaRPr lang="zh-CN" altLang="en-US" sz="1200" dirty="0"/>
+                    </a:p>
+                  </a:txBody>
+                  <a:tcPr/>
+                </a:tc>
+                <a:tc>
+                  <a:txBody>
+                    <a:bodyPr/>
+                    <a:lstStyle/>
+                    <a:p>
+                      <a:pPr algn="ctr"/>
+                      <a:r>
+                        <a:rPr lang="en-US" altLang="zh-CN" sz="1200" dirty="0" smtClean="0"/>
+                        <a:t>1/6.67%</a:t>
+                      </a:r>
+                      <a:endParaRPr lang="zh-CN" altLang="en-US" sz="1200" dirty="0"/>
+                    </a:p>
+                  </a:txBody>
+                  <a:tcPr/>
+                </a:tc>
+                <a:tc>
+                  <a:txBody>
+                    <a:bodyPr/>
+                    <a:lstStyle/>
+                    <a:p>
+                      <a:pPr algn="ctr"/>
+                      <a:r>
+                        <a:rPr lang="en-US" altLang="zh-CN" sz="1200" dirty="0" smtClean="0"/>
+                        <a:t>-</a:t>
+                      </a:r>
+                    </a:p>
+                  </a:txBody>
+                  <a:tcPr/>
+                </a:tc>
+                <a:extLst>
+                  <a:ext uri="{0D108BD9-81ED-4DB2-BD59-A6C34878D82A}">
+                    <a16:rowId xmlns:a16="http://schemas.microsoft.com/office/drawing/2014/main" val="2160234542"/>
+                  </a:ext>
+                </a:extLst>
+              </a:tr>
+              <a:tr h="356502">
+                <a:tc>
+                  <a:txBody>
+                    <a:bodyPr/>
+                    <a:lstStyle/>
+                    <a:p>
+                      <a:pPr algn="ctr"/>
+                      <a:r>
+                        <a:rPr lang="en-US" altLang="zh-CN" sz="1200" dirty="0" smtClean="0"/>
+                        <a:t>V1.1.1</a:t>
+                      </a:r>
+                      <a:endParaRPr lang="zh-CN" altLang="en-US" sz="1200" dirty="0"/>
+                    </a:p>
+                  </a:txBody>
+                  <a:tcPr/>
+                </a:tc>
+                <a:tc>
+                  <a:txBody>
+                    <a:bodyPr/>
+                    <a:lstStyle/>
+                    <a:p>
+                      <a:pPr algn="ctr"/>
+                      <a:r>
+                        <a:rPr lang="en-US" altLang="zh-CN" sz="1200" dirty="0" smtClean="0"/>
+                        <a:t>5</a:t>
+                      </a:r>
+                      <a:endParaRPr lang="zh-CN" altLang="en-US" sz="1200" dirty="0"/>
+                    </a:p>
+                  </a:txBody>
+                  <a:tcPr/>
+                </a:tc>
+                <a:tc>
+                  <a:txBody>
+                    <a:bodyPr/>
+                    <a:lstStyle/>
+                    <a:p>
+                      <a:pPr marL="0" marR="0" lvl="0" indent="0" algn="ctr" defTabSz="914400" rtl="0" eaLnBrk="1" fontAlgn="auto" latinLnBrk="0" hangingPunct="1">
+                        <a:lnSpc>
+                          <a:spcPct val="100000"/>
+                        </a:lnSpc>
+                        <a:spcBef>
+                          <a:spcPts val="0"/>
+                        </a:spcBef>
+                        <a:spcAft>
+                          <a:spcPts val="0"/>
+                        </a:spcAft>
+                        <a:buClrTx/>
+                        <a:buSzTx/>
+                        <a:buFontTx/>
+                        <a:buNone/>
+                        <a:tabLst/>
+                        <a:defRPr/>
+                      </a:pPr>
+                      <a:r>
+                        <a:rPr lang="en-US" altLang="zh-CN" sz="1200" dirty="0" smtClean="0"/>
+                        <a:t>0/0%</a:t>
+                      </a:r>
+                      <a:endParaRPr lang="zh-CN" altLang="en-US" sz="1200" dirty="0" smtClean="0"/>
+                    </a:p>
+                  </a:txBody>
+                  <a:tcPr/>
+                </a:tc>
+                <a:tc>
+                  <a:txBody>
+                    <a:bodyPr/>
+                    <a:lstStyle/>
+                    <a:p>
+                      <a:pPr marL="0" marR="0" lvl="0" indent="0" algn="ctr" defTabSz="914400" rtl="0" eaLnBrk="1" fontAlgn="auto" latinLnBrk="0" hangingPunct="1">
+                        <a:lnSpc>
+                          <a:spcPct val="100000"/>
+                        </a:lnSpc>
+                        <a:spcBef>
+                          <a:spcPts val="0"/>
+                        </a:spcBef>
+                        <a:spcAft>
+                          <a:spcPts val="0"/>
+                        </a:spcAft>
+                        <a:buClrTx/>
+                        <a:buSzTx/>
+                        <a:buFontTx/>
+                        <a:buNone/>
+                        <a:tabLst/>
+                        <a:defRPr/>
+                      </a:pPr>
+                      <a:r>
+                        <a:rPr lang="en-US" altLang="zh-CN" sz="1200" dirty="0" smtClean="0"/>
+                        <a:t>2/40%</a:t>
+                      </a:r>
+                      <a:endParaRPr lang="zh-CN" altLang="en-US" sz="1200" dirty="0" smtClean="0"/>
+                    </a:p>
+                  </a:txBody>
+                  <a:tcPr/>
+                </a:tc>
+                <a:tc>
+                  <a:txBody>
+                    <a:bodyPr/>
+                    <a:lstStyle/>
+                    <a:p>
+                      <a:pPr algn="ctr"/>
+                      <a:r>
+                        <a:rPr lang="en-US" altLang="zh-CN" sz="1200" dirty="0" smtClean="0"/>
+                        <a:t>1.67</a:t>
+                      </a:r>
+                      <a:endParaRPr lang="zh-CN" altLang="en-US" sz="1200" dirty="0"/>
+                    </a:p>
+                  </a:txBody>
+                  <a:tcPr/>
+                </a:tc>
+                <a:tc>
+                  <a:txBody>
+                    <a:bodyPr/>
+                    <a:lstStyle/>
+                    <a:p>
+                      <a:pPr algn="ctr"/>
+                      <a:r>
+                        <a:rPr lang="en-US" altLang="zh-CN" sz="1200" dirty="0" smtClean="0"/>
+                        <a:t>0/0%</a:t>
+                      </a:r>
+                      <a:endParaRPr lang="zh-CN" altLang="en-US" sz="1200" dirty="0"/>
+                    </a:p>
+                  </a:txBody>
+                  <a:tcPr/>
+                </a:tc>
+                <a:tc>
+                  <a:txBody>
+                    <a:bodyPr/>
+                    <a:lstStyle/>
+                    <a:p>
+                      <a:pPr algn="ctr"/>
+                      <a:r>
+                        <a:rPr lang="en-US" altLang="zh-CN" sz="1200" dirty="0" smtClean="0"/>
+                        <a:t>15</a:t>
+                      </a:r>
+                    </a:p>
+                  </a:txBody>
+                  <a:tcPr/>
+                </a:tc>
+                <a:extLst>
+                  <a:ext uri="{0D108BD9-81ED-4DB2-BD59-A6C34878D82A}">
+                    <a16:rowId xmlns:a16="http://schemas.microsoft.com/office/drawing/2014/main" val="2371782146"/>
+                  </a:ext>
+                </a:extLst>
+              </a:tr>
+              <a:tr h="356502">
+                <a:tc>
+                  <a:txBody>
+                    <a:bodyPr/>
+                    <a:lstStyle/>
+                    <a:p>
+                      <a:pPr algn="ctr"/>
+                      <a:r>
+                        <a:rPr lang="en-US" altLang="zh-CN" sz="1200" dirty="0" smtClean="0"/>
+                        <a:t>V1.1.3</a:t>
+                      </a:r>
+                      <a:endParaRPr lang="zh-CN" altLang="en-US" sz="1200" dirty="0"/>
+                    </a:p>
+                  </a:txBody>
+                  <a:tcPr/>
+                </a:tc>
+                <a:tc>
+                  <a:txBody>
+                    <a:bodyPr/>
+                    <a:lstStyle/>
+                    <a:p>
+                      <a:pPr algn="ctr"/>
+                      <a:r>
+                        <a:rPr lang="en-US" altLang="zh-CN" sz="1200" dirty="0" smtClean="0"/>
+                        <a:t>3</a:t>
+                      </a:r>
+                      <a:endParaRPr lang="zh-CN" altLang="en-US" sz="1200" dirty="0"/>
+                    </a:p>
+                  </a:txBody>
+                  <a:tcPr/>
+                </a:tc>
+                <a:tc>
+                  <a:txBody>
+                    <a:bodyPr/>
+                    <a:lstStyle/>
+                    <a:p>
+                      <a:pPr marL="0" marR="0" lvl="0" indent="0" algn="ctr" defTabSz="914400" rtl="0" eaLnBrk="1" fontAlgn="auto" latinLnBrk="0" hangingPunct="1">
+                        <a:lnSpc>
+                          <a:spcPct val="100000"/>
+                        </a:lnSpc>
+                        <a:spcBef>
+                          <a:spcPts val="0"/>
+                        </a:spcBef>
+                        <a:spcAft>
+                          <a:spcPts val="0"/>
+                        </a:spcAft>
+                        <a:buClrTx/>
+                        <a:buSzTx/>
+                        <a:buFontTx/>
+                        <a:buNone/>
+                        <a:tabLst/>
+                        <a:defRPr/>
+                      </a:pPr>
+                      <a:r>
+                        <a:rPr lang="en-US" altLang="zh-CN" sz="1200" dirty="0" smtClean="0"/>
+                        <a:t>0/0%</a:t>
+                      </a:r>
+                      <a:endParaRPr lang="zh-CN" altLang="en-US" sz="1200" dirty="0" smtClean="0"/>
+                    </a:p>
+                  </a:txBody>
+                  <a:tcPr/>
+                </a:tc>
+                <a:tc>
+                  <a:txBody>
+                    <a:bodyPr/>
+                    <a:lstStyle/>
+                    <a:p>
+                      <a:pPr marL="0" marR="0" lvl="0" indent="0" algn="ctr" defTabSz="914400" rtl="0" eaLnBrk="1" fontAlgn="auto" latinLnBrk="0" hangingPunct="1">
+                        <a:lnSpc>
+                          <a:spcPct val="100000"/>
+                        </a:lnSpc>
+                        <a:spcBef>
+                          <a:spcPts val="0"/>
+                        </a:spcBef>
+                        <a:spcAft>
+                          <a:spcPts val="0"/>
+                        </a:spcAft>
+                        <a:buClrTx/>
+                        <a:buSzTx/>
+                        <a:buFontTx/>
+                        <a:buNone/>
+                        <a:tabLst/>
+                        <a:defRPr/>
+                      </a:pPr>
+                      <a:r>
+                        <a:rPr lang="en-US" altLang="zh-CN" sz="1200" dirty="0" smtClean="0"/>
+                        <a:t>0/0%</a:t>
+                      </a:r>
+                      <a:endParaRPr lang="zh-CN" altLang="en-US" sz="1200" dirty="0" smtClean="0"/>
+                    </a:p>
+                  </a:txBody>
+                  <a:tcPr/>
+                </a:tc>
+                <a:tc>
+                  <a:txBody>
+                    <a:bodyPr/>
+                    <a:lstStyle/>
+                    <a:p>
+                      <a:pPr algn="ctr"/>
+                      <a:r>
+                        <a:rPr lang="en-US" altLang="zh-CN" sz="1200" dirty="0" smtClean="0"/>
+                        <a:t>2.35</a:t>
+                      </a:r>
+                      <a:endParaRPr lang="zh-CN" altLang="en-US" sz="1200" dirty="0"/>
+                    </a:p>
+                  </a:txBody>
+                  <a:tcPr/>
+                </a:tc>
+                <a:tc>
+                  <a:txBody>
+                    <a:bodyPr/>
+                    <a:lstStyle/>
+                    <a:p>
+                      <a:pPr marL="0" marR="0" lvl="0" indent="0" algn="ctr" defTabSz="914400" rtl="0" eaLnBrk="1" fontAlgn="auto" latinLnBrk="0" hangingPunct="1">
+                        <a:lnSpc>
+                          <a:spcPct val="100000"/>
+                        </a:lnSpc>
+                        <a:spcBef>
+                          <a:spcPts val="0"/>
+                        </a:spcBef>
+                        <a:spcAft>
+                          <a:spcPts val="0"/>
+                        </a:spcAft>
+                        <a:buClrTx/>
+                        <a:buSzTx/>
+                        <a:buFontTx/>
+                        <a:buNone/>
+                        <a:tabLst/>
+                        <a:defRPr/>
+                      </a:pPr>
+                      <a:r>
+                        <a:rPr lang="en-US" altLang="zh-CN" sz="1200" dirty="0" smtClean="0"/>
+                        <a:t>0/0%</a:t>
+                      </a:r>
+                      <a:endParaRPr lang="zh-CN" altLang="en-US" sz="1200" dirty="0" smtClean="0"/>
+                    </a:p>
+                  </a:txBody>
+                  <a:tcPr/>
+                </a:tc>
+                <a:tc>
+                  <a:txBody>
+                    <a:bodyPr/>
+                    <a:lstStyle/>
+                    <a:p>
+                      <a:pPr algn="ctr"/>
+                      <a:r>
+                        <a:rPr lang="en-US" altLang="zh-CN" sz="1200" dirty="0" smtClean="0"/>
+                        <a:t>-</a:t>
+                      </a:r>
+                    </a:p>
+                  </a:txBody>
+                  <a:tcPr/>
+                </a:tc>
+                <a:extLst>
+                  <a:ext uri="{0D108BD9-81ED-4DB2-BD59-A6C34878D82A}">
+                    <a16:rowId xmlns:a16="http://schemas.microsoft.com/office/drawing/2014/main" val="1919938950"/>
+                  </a:ext>
+                </a:extLst>
+              </a:tr>
+              <a:tr h="356502">
+                <a:tc>
+                  <a:txBody>
+                    <a:bodyPr/>
+                    <a:lstStyle/>
+                    <a:p>
+                      <a:pPr algn="ctr"/>
+                      <a:r>
+                        <a:rPr lang="en-US" altLang="zh-CN" sz="1200" dirty="0" smtClean="0"/>
+                        <a:t>V1.2.0</a:t>
+                      </a:r>
+                      <a:r>
+                        <a:rPr lang="zh-CN" altLang="en-US" sz="1200" dirty="0" smtClean="0"/>
+                        <a:t>（测试中）</a:t>
+                      </a:r>
+                      <a:endParaRPr lang="zh-CN" altLang="en-US" sz="1200" dirty="0"/>
+                    </a:p>
+                  </a:txBody>
+                  <a:tcPr/>
+                </a:tc>
+                <a:tc>
+                  <a:txBody>
+                    <a:bodyPr/>
+                    <a:lstStyle/>
+                    <a:p>
+                      <a:pPr algn="ctr"/>
+                      <a:endParaRPr lang="zh-CN" altLang="en-US" sz="1200" dirty="0"/>
+                    </a:p>
+                  </a:txBody>
+                  <a:tcPr/>
+                </a:tc>
+                <a:tc>
+                  <a:txBody>
+                    <a:bodyPr/>
+                    <a:lstStyle/>
+                    <a:p>
+                      <a:pPr marL="0" marR="0" lvl="0" indent="0" algn="ctr" defTabSz="914400" rtl="0" eaLnBrk="1" fontAlgn="auto" latinLnBrk="0" hangingPunct="1">
+                        <a:lnSpc>
+                          <a:spcPct val="100000"/>
+                        </a:lnSpc>
+                        <a:spcBef>
+                          <a:spcPts val="0"/>
+                        </a:spcBef>
+                        <a:spcAft>
+                          <a:spcPts val="0"/>
+                        </a:spcAft>
+                        <a:buClrTx/>
+                        <a:buSzTx/>
+                        <a:buFontTx/>
+                        <a:buNone/>
+                        <a:tabLst/>
+                        <a:defRPr/>
+                      </a:pPr>
+                      <a:endParaRPr lang="zh-CN" altLang="en-US" sz="1200" dirty="0" smtClean="0"/>
+                    </a:p>
+                  </a:txBody>
+                  <a:tcPr/>
+                </a:tc>
+                <a:tc>
+                  <a:txBody>
+                    <a:bodyPr/>
+                    <a:lstStyle/>
+                    <a:p>
+                      <a:pPr marL="0" marR="0" lvl="0" indent="0" algn="ctr" defTabSz="914400" rtl="0" eaLnBrk="1" fontAlgn="auto" latinLnBrk="0" hangingPunct="1">
+                        <a:lnSpc>
+                          <a:spcPct val="100000"/>
+                        </a:lnSpc>
+                        <a:spcBef>
+                          <a:spcPts val="0"/>
+                        </a:spcBef>
+                        <a:spcAft>
+                          <a:spcPts val="0"/>
+                        </a:spcAft>
+                        <a:buClrTx/>
+                        <a:buSzTx/>
+                        <a:buFontTx/>
+                        <a:buNone/>
+                        <a:tabLst/>
+                        <a:defRPr/>
+                      </a:pPr>
+                      <a:endParaRPr lang="zh-CN" altLang="en-US" sz="1200" dirty="0" smtClean="0"/>
+                    </a:p>
+                  </a:txBody>
+                  <a:tcPr/>
+                </a:tc>
+                <a:tc>
+                  <a:txBody>
+                    <a:bodyPr/>
+                    <a:lstStyle/>
+                    <a:p>
+                      <a:pPr algn="ctr"/>
+                      <a:endParaRPr lang="zh-CN" altLang="en-US" sz="1200" dirty="0"/>
+                    </a:p>
+                  </a:txBody>
+                  <a:tcPr/>
+                </a:tc>
+                <a:tc>
+                  <a:txBody>
+                    <a:bodyPr/>
+                    <a:lstStyle/>
+                    <a:p>
+                      <a:pPr algn="ctr"/>
+                      <a:endParaRPr lang="zh-CN" altLang="en-US" sz="1200" dirty="0"/>
+                    </a:p>
+                  </a:txBody>
+                  <a:tcPr/>
+                </a:tc>
+                <a:tc>
+                  <a:txBody>
+                    <a:bodyPr/>
+                    <a:lstStyle/>
+                    <a:p>
+                      <a:pPr algn="ctr"/>
+                      <a:endParaRPr lang="en-US" altLang="zh-CN" sz="1200" dirty="0" smtClean="0"/>
+                    </a:p>
+                  </a:txBody>
+                  <a:tcPr/>
+                </a:tc>
+                <a:extLst>
+                  <a:ext uri="{0D108BD9-81ED-4DB2-BD59-A6C34878D82A}">
+                    <a16:rowId xmlns:a16="http://schemas.microsoft.com/office/drawing/2014/main" val="2634656521"/>
+                  </a:ext>
+                </a:extLst>
+              </a:tr>
+            </a:tbl>
+          </a:graphicData>
+        </a:graphic>
+      </p:graphicFrame>
+      <p:sp>
+        <p:nvSpPr>
+          <p:cNvPr id="7" name="文本框 6"/>
+          <p:cNvSpPr txBox="1"/>
+          <p:nvPr/>
+        </p:nvSpPr>
+        <p:spPr>
+          <a:xfrm>
+            <a:off x="1126479" y="1130807"/>
+            <a:ext cx="3614197" cy="338554"/>
+          </a:xfrm>
+          <a:prstGeom prst="rect">
+            <a:avLst/>
+          </a:prstGeom>
+          <a:noFill/>
+        </p:spPr>
+        <p:txBody>
+          <a:bodyPr wrap="square" rtlCol="0">
+            <a:spAutoFit/>
+          </a:bodyPr>
+          <a:lstStyle/>
+          <a:p>
+            <a:r>
+              <a:rPr lang="zh-CN" altLang="en-US" sz="1600" dirty="0" smtClean="0"/>
+              <a:t>平台端</a:t>
+            </a:r>
+            <a:r>
+              <a:rPr lang="en-US" altLang="zh-CN" sz="1600" dirty="0" smtClean="0"/>
+              <a:t>Bug</a:t>
+            </a:r>
+            <a:r>
+              <a:rPr lang="zh-CN" altLang="en-US" sz="1600" dirty="0" smtClean="0"/>
+              <a:t>情况</a:t>
+            </a:r>
+            <a:endParaRPr lang="zh-CN" altLang="en-US" sz="1600" dirty="0"/>
+          </a:p>
+        </p:txBody>
+      </p:sp>
+    </p:spTree>
+    <p:extLst>
+      <p:ext uri="{BB962C8B-B14F-4D97-AF65-F5344CB8AC3E}">
+        <p14:creationId xmlns:p14="http://schemas.microsoft.com/office/powerpoint/2010/main" val="631343760"/>
       </p:ext>
     </p:extLst>
   </p:cSld>
